--- a/Курсовая Коцан Иван.pptx
+++ b/Курсовая Коцан Иван.pptx
@@ -8,12 +8,15 @@
     <p:sldId id="256" r:id="rId2"/>
     <p:sldId id="257" r:id="rId3"/>
     <p:sldId id="258" r:id="rId4"/>
-    <p:sldId id="259" r:id="rId5"/>
-    <p:sldId id="260" r:id="rId6"/>
-    <p:sldId id="261" r:id="rId7"/>
-    <p:sldId id="263" r:id="rId8"/>
-    <p:sldId id="262" r:id="rId9"/>
-    <p:sldId id="265" r:id="rId10"/>
+    <p:sldId id="266" r:id="rId5"/>
+    <p:sldId id="267" r:id="rId6"/>
+    <p:sldId id="268" r:id="rId7"/>
+    <p:sldId id="259" r:id="rId8"/>
+    <p:sldId id="260" r:id="rId9"/>
+    <p:sldId id="261" r:id="rId10"/>
+    <p:sldId id="263" r:id="rId11"/>
+    <p:sldId id="262" r:id="rId12"/>
+    <p:sldId id="265" r:id="rId13"/>
   </p:sldIdLst>
   <p:sldSz cx="12192000" cy="6858000"/>
   <p:notesSz cx="6858000" cy="9144000"/>
@@ -303,7 +306,7 @@
           </a:lstStyle>
           <a:p>
             <a:r>
-              <a:rPr lang="ru-RU" smtClean="0"/>
+              <a:rPr lang="ru-RU"/>
               <a:t>Образец заголовка</a:t>
             </a:r>
             <a:endParaRPr lang="en-US" dirty="0"/>
@@ -370,7 +373,7 @@
           </a:lstStyle>
           <a:p>
             <a:r>
-              <a:rPr lang="ru-RU" smtClean="0"/>
+              <a:rPr lang="ru-RU"/>
               <a:t>Образец подзаголовка</a:t>
             </a:r>
             <a:endParaRPr lang="en-US" dirty="0"/>
@@ -394,7 +397,7 @@
           <a:p>
             <a:fld id="{C12C9FC2-4FCA-409E-86A6-48048E0F3F43}" type="datetimeFigureOut">
               <a:rPr lang="ru-RU" smtClean="0"/>
-              <a:t>29.12.2023</a:t>
+              <a:t>30.12.2023</a:t>
             </a:fld>
             <a:endParaRPr lang="ru-RU"/>
           </a:p>
@@ -643,7 +646,7 @@
           </a:lstStyle>
           <a:p>
             <a:r>
-              <a:rPr lang="ru-RU" smtClean="0"/>
+              <a:rPr lang="ru-RU"/>
               <a:t>Образец заголовка</a:t>
             </a:r>
             <a:endParaRPr lang="en-US" dirty="0"/>
@@ -719,7 +722,7 @@
           </a:lstStyle>
           <a:p>
             <a:r>
-              <a:rPr lang="ru-RU" smtClean="0"/>
+              <a:rPr lang="ru-RU"/>
               <a:t>Вставка рисунка</a:t>
             </a:r>
             <a:endParaRPr lang="en-US" dirty="0"/>
@@ -785,7 +788,7 @@
           <a:p>
             <a:pPr lvl="0"/>
             <a:r>
-              <a:rPr lang="ru-RU" smtClean="0"/>
+              <a:rPr lang="ru-RU"/>
               <a:t>Образец текста</a:t>
             </a:r>
           </a:p>
@@ -808,7 +811,7 @@
           <a:p>
             <a:fld id="{C12C9FC2-4FCA-409E-86A6-48048E0F3F43}" type="datetimeFigureOut">
               <a:rPr lang="ru-RU" smtClean="0"/>
-              <a:t>29.12.2023</a:t>
+              <a:t>30.12.2023</a:t>
             </a:fld>
             <a:endParaRPr lang="ru-RU"/>
           </a:p>
@@ -1055,7 +1058,7 @@
           </a:lstStyle>
           <a:p>
             <a:r>
-              <a:rPr lang="ru-RU" smtClean="0"/>
+              <a:rPr lang="ru-RU"/>
               <a:t>Образец заголовка</a:t>
             </a:r>
             <a:endParaRPr lang="en-US" dirty="0"/>
@@ -1121,7 +1124,7 @@
           <a:p>
             <a:pPr lvl="0"/>
             <a:r>
-              <a:rPr lang="ru-RU" smtClean="0"/>
+              <a:rPr lang="ru-RU"/>
               <a:t>Образец текста</a:t>
             </a:r>
           </a:p>
@@ -1144,7 +1147,7 @@
           <a:p>
             <a:fld id="{C12C9FC2-4FCA-409E-86A6-48048E0F3F43}" type="datetimeFigureOut">
               <a:rPr lang="ru-RU" smtClean="0"/>
-              <a:t>29.12.2023</a:t>
+              <a:t>30.12.2023</a:t>
             </a:fld>
             <a:endParaRPr lang="ru-RU"/>
           </a:p>
@@ -1391,7 +1394,7 @@
           </a:lstStyle>
           <a:p>
             <a:r>
-              <a:rPr lang="ru-RU" smtClean="0"/>
+              <a:rPr lang="ru-RU"/>
               <a:t>Образец заголовка</a:t>
             </a:r>
             <a:endParaRPr lang="en-US" dirty="0"/>
@@ -1459,7 +1462,7 @@
           <a:p>
             <a:pPr lvl="0"/>
             <a:r>
-              <a:rPr lang="ru-RU" smtClean="0"/>
+              <a:rPr lang="ru-RU"/>
               <a:t>Образец текста</a:t>
             </a:r>
           </a:p>
@@ -1526,7 +1529,7 @@
           <a:p>
             <a:pPr lvl="0"/>
             <a:r>
-              <a:rPr lang="ru-RU" smtClean="0"/>
+              <a:rPr lang="ru-RU"/>
               <a:t>Образец текста</a:t>
             </a:r>
           </a:p>
@@ -1549,7 +1552,7 @@
           <a:p>
             <a:fld id="{C12C9FC2-4FCA-409E-86A6-48048E0F3F43}" type="datetimeFigureOut">
               <a:rPr lang="ru-RU" smtClean="0"/>
-              <a:t>29.12.2023</a:t>
+              <a:t>30.12.2023</a:t>
             </a:fld>
             <a:endParaRPr lang="ru-RU"/>
           </a:p>
@@ -2028,7 +2031,7 @@
           </a:lstStyle>
           <a:p>
             <a:r>
-              <a:rPr lang="ru-RU" smtClean="0"/>
+              <a:rPr lang="ru-RU"/>
               <a:t>Образец заголовка</a:t>
             </a:r>
             <a:endParaRPr lang="en-US" dirty="0"/>
@@ -2094,7 +2097,7 @@
           <a:p>
             <a:pPr lvl="0"/>
             <a:r>
-              <a:rPr lang="ru-RU" smtClean="0"/>
+              <a:rPr lang="ru-RU"/>
               <a:t>Образец текста</a:t>
             </a:r>
           </a:p>
@@ -2117,7 +2120,7 @@
           <a:p>
             <a:fld id="{C12C9FC2-4FCA-409E-86A6-48048E0F3F43}" type="datetimeFigureOut">
               <a:rPr lang="ru-RU" smtClean="0"/>
-              <a:t>29.12.2023</a:t>
+              <a:t>30.12.2023</a:t>
             </a:fld>
             <a:endParaRPr lang="ru-RU"/>
           </a:p>
@@ -2360,7 +2363,7 @@
           <a:lstStyle/>
           <a:p>
             <a:r>
-              <a:rPr lang="ru-RU" smtClean="0"/>
+              <a:rPr lang="ru-RU"/>
               <a:t>Образец заголовка</a:t>
             </a:r>
             <a:endParaRPr lang="en-US" dirty="0"/>
@@ -2432,7 +2435,7 @@
           <a:p>
             <a:pPr lvl="0"/>
             <a:r>
-              <a:rPr lang="ru-RU" smtClean="0"/>
+              <a:rPr lang="ru-RU"/>
               <a:t>Образец текста</a:t>
             </a:r>
           </a:p>
@@ -2499,7 +2502,7 @@
           <a:p>
             <a:pPr lvl="0"/>
             <a:r>
-              <a:rPr lang="ru-RU" smtClean="0"/>
+              <a:rPr lang="ru-RU"/>
               <a:t>Образец текста</a:t>
             </a:r>
           </a:p>
@@ -2570,7 +2573,7 @@
           <a:p>
             <a:pPr lvl="0"/>
             <a:r>
-              <a:rPr lang="ru-RU" smtClean="0"/>
+              <a:rPr lang="ru-RU"/>
               <a:t>Образец текста</a:t>
             </a:r>
           </a:p>
@@ -2637,7 +2640,7 @@
           <a:p>
             <a:pPr lvl="0"/>
             <a:r>
-              <a:rPr lang="ru-RU" smtClean="0"/>
+              <a:rPr lang="ru-RU"/>
               <a:t>Образец текста</a:t>
             </a:r>
           </a:p>
@@ -2708,7 +2711,7 @@
           <a:p>
             <a:pPr lvl="0"/>
             <a:r>
-              <a:rPr lang="ru-RU" smtClean="0"/>
+              <a:rPr lang="ru-RU"/>
               <a:t>Образец текста</a:t>
             </a:r>
           </a:p>
@@ -2775,7 +2778,7 @@
           <a:p>
             <a:pPr lvl="0"/>
             <a:r>
-              <a:rPr lang="ru-RU" smtClean="0"/>
+              <a:rPr lang="ru-RU"/>
               <a:t>Образец текста</a:t>
             </a:r>
           </a:p>
@@ -2798,7 +2801,7 @@
           <a:p>
             <a:fld id="{C12C9FC2-4FCA-409E-86A6-48048E0F3F43}" type="datetimeFigureOut">
               <a:rPr lang="ru-RU" smtClean="0"/>
-              <a:t>29.12.2023</a:t>
+              <a:t>30.12.2023</a:t>
             </a:fld>
             <a:endParaRPr lang="ru-RU"/>
           </a:p>
@@ -3036,7 +3039,7 @@
           <a:lstStyle/>
           <a:p>
             <a:r>
-              <a:rPr lang="ru-RU" smtClean="0"/>
+              <a:rPr lang="ru-RU"/>
               <a:t>Образец заголовка</a:t>
             </a:r>
             <a:endParaRPr lang="en-US" dirty="0"/>
@@ -3108,7 +3111,7 @@
           <a:p>
             <a:pPr lvl="0"/>
             <a:r>
-              <a:rPr lang="ru-RU" smtClean="0"/>
+              <a:rPr lang="ru-RU"/>
               <a:t>Образец текста</a:t>
             </a:r>
           </a:p>
@@ -3186,7 +3189,7 @@
           </a:lstStyle>
           <a:p>
             <a:r>
-              <a:rPr lang="ru-RU" smtClean="0"/>
+              <a:rPr lang="ru-RU"/>
               <a:t>Вставка рисунка</a:t>
             </a:r>
             <a:endParaRPr lang="en-US" dirty="0"/>
@@ -3254,7 +3257,7 @@
           <a:p>
             <a:pPr lvl="0"/>
             <a:r>
-              <a:rPr lang="ru-RU" smtClean="0"/>
+              <a:rPr lang="ru-RU"/>
               <a:t>Образец текста</a:t>
             </a:r>
           </a:p>
@@ -3325,7 +3328,7 @@
           <a:p>
             <a:pPr lvl="0"/>
             <a:r>
-              <a:rPr lang="ru-RU" smtClean="0"/>
+              <a:rPr lang="ru-RU"/>
               <a:t>Образец текста</a:t>
             </a:r>
           </a:p>
@@ -3403,7 +3406,7 @@
           </a:lstStyle>
           <a:p>
             <a:r>
-              <a:rPr lang="ru-RU" smtClean="0"/>
+              <a:rPr lang="ru-RU"/>
               <a:t>Вставка рисунка</a:t>
             </a:r>
             <a:endParaRPr lang="en-US" dirty="0"/>
@@ -3471,7 +3474,7 @@
           <a:p>
             <a:pPr lvl="0"/>
             <a:r>
-              <a:rPr lang="ru-RU" smtClean="0"/>
+              <a:rPr lang="ru-RU"/>
               <a:t>Образец текста</a:t>
             </a:r>
           </a:p>
@@ -3542,7 +3545,7 @@
           <a:p>
             <a:pPr lvl="0"/>
             <a:r>
-              <a:rPr lang="ru-RU" smtClean="0"/>
+              <a:rPr lang="ru-RU"/>
               <a:t>Образец текста</a:t>
             </a:r>
           </a:p>
@@ -3620,7 +3623,7 @@
           </a:lstStyle>
           <a:p>
             <a:r>
-              <a:rPr lang="ru-RU" smtClean="0"/>
+              <a:rPr lang="ru-RU"/>
               <a:t>Вставка рисунка</a:t>
             </a:r>
             <a:endParaRPr lang="en-US" dirty="0"/>
@@ -3688,7 +3691,7 @@
           <a:p>
             <a:pPr lvl="0"/>
             <a:r>
-              <a:rPr lang="ru-RU" smtClean="0"/>
+              <a:rPr lang="ru-RU"/>
               <a:t>Образец текста</a:t>
             </a:r>
           </a:p>
@@ -3711,7 +3714,7 @@
           <a:p>
             <a:fld id="{C12C9FC2-4FCA-409E-86A6-48048E0F3F43}" type="datetimeFigureOut">
               <a:rPr lang="ru-RU" smtClean="0"/>
-              <a:t>29.12.2023</a:t>
+              <a:t>30.12.2023</a:t>
             </a:fld>
             <a:endParaRPr lang="ru-RU"/>
           </a:p>
@@ -3948,7 +3951,7 @@
           </a:lstStyle>
           <a:p>
             <a:r>
-              <a:rPr lang="ru-RU" smtClean="0"/>
+              <a:rPr lang="ru-RU"/>
               <a:t>Образец заголовка</a:t>
             </a:r>
             <a:endParaRPr lang="en-US" dirty="0"/>
@@ -3972,35 +3975,35 @@
           <a:p>
             <a:pPr lvl="0"/>
             <a:r>
-              <a:rPr lang="ru-RU" smtClean="0"/>
+              <a:rPr lang="ru-RU"/>
               <a:t>Образец текста</a:t>
             </a:r>
           </a:p>
           <a:p>
             <a:pPr lvl="1"/>
             <a:r>
-              <a:rPr lang="ru-RU" smtClean="0"/>
+              <a:rPr lang="ru-RU"/>
               <a:t>Второй уровень</a:t>
             </a:r>
           </a:p>
           <a:p>
             <a:pPr lvl="2"/>
             <a:r>
-              <a:rPr lang="ru-RU" smtClean="0"/>
+              <a:rPr lang="ru-RU"/>
               <a:t>Третий уровень</a:t>
             </a:r>
           </a:p>
           <a:p>
             <a:pPr lvl="3"/>
             <a:r>
-              <a:rPr lang="ru-RU" smtClean="0"/>
+              <a:rPr lang="ru-RU"/>
               <a:t>Четвертый уровень</a:t>
             </a:r>
           </a:p>
           <a:p>
             <a:pPr lvl="4"/>
             <a:r>
-              <a:rPr lang="ru-RU" smtClean="0"/>
+              <a:rPr lang="ru-RU"/>
               <a:t>Пятый уровень</a:t>
             </a:r>
             <a:endParaRPr lang="en-US" dirty="0"/>
@@ -4024,7 +4027,7 @@
           <a:p>
             <a:fld id="{C12C9FC2-4FCA-409E-86A6-48048E0F3F43}" type="datetimeFigureOut">
               <a:rPr lang="ru-RU" smtClean="0"/>
-              <a:t>29.12.2023</a:t>
+              <a:t>30.12.2023</a:t>
             </a:fld>
             <a:endParaRPr lang="ru-RU"/>
           </a:p>
@@ -4202,7 +4205,7 @@
           <a:lstStyle/>
           <a:p>
             <a:r>
-              <a:rPr lang="ru-RU" smtClean="0"/>
+              <a:rPr lang="ru-RU"/>
               <a:t>Образец заголовка</a:t>
             </a:r>
             <a:endParaRPr lang="en-US" dirty="0"/>
@@ -4231,35 +4234,35 @@
           <a:p>
             <a:pPr lvl="0"/>
             <a:r>
-              <a:rPr lang="ru-RU" smtClean="0"/>
+              <a:rPr lang="ru-RU"/>
               <a:t>Образец текста</a:t>
             </a:r>
           </a:p>
           <a:p>
             <a:pPr lvl="1"/>
             <a:r>
-              <a:rPr lang="ru-RU" smtClean="0"/>
+              <a:rPr lang="ru-RU"/>
               <a:t>Второй уровень</a:t>
             </a:r>
           </a:p>
           <a:p>
             <a:pPr lvl="2"/>
             <a:r>
-              <a:rPr lang="ru-RU" smtClean="0"/>
+              <a:rPr lang="ru-RU"/>
               <a:t>Третий уровень</a:t>
             </a:r>
           </a:p>
           <a:p>
             <a:pPr lvl="3"/>
             <a:r>
-              <a:rPr lang="ru-RU" smtClean="0"/>
+              <a:rPr lang="ru-RU"/>
               <a:t>Четвертый уровень</a:t>
             </a:r>
           </a:p>
           <a:p>
             <a:pPr lvl="4"/>
             <a:r>
-              <a:rPr lang="ru-RU" smtClean="0"/>
+              <a:rPr lang="ru-RU"/>
               <a:t>Пятый уровень</a:t>
             </a:r>
             <a:endParaRPr lang="en-US" dirty="0"/>
@@ -4288,7 +4291,7 @@
           <a:p>
             <a:fld id="{C12C9FC2-4FCA-409E-86A6-48048E0F3F43}" type="datetimeFigureOut">
               <a:rPr lang="ru-RU" smtClean="0"/>
-              <a:t>29.12.2023</a:t>
+              <a:t>30.12.2023</a:t>
             </a:fld>
             <a:endParaRPr lang="ru-RU"/>
           </a:p>
@@ -4535,7 +4538,7 @@
           <a:lstStyle/>
           <a:p>
             <a:r>
-              <a:rPr lang="ru-RU" smtClean="0"/>
+              <a:rPr lang="ru-RU"/>
               <a:t>Образец заголовка</a:t>
             </a:r>
             <a:endParaRPr lang="en-US" dirty="0"/>
@@ -4559,35 +4562,35 @@
           <a:p>
             <a:pPr lvl="0"/>
             <a:r>
-              <a:rPr lang="ru-RU" smtClean="0"/>
+              <a:rPr lang="ru-RU"/>
               <a:t>Образец текста</a:t>
             </a:r>
           </a:p>
           <a:p>
             <a:pPr lvl="1"/>
             <a:r>
-              <a:rPr lang="ru-RU" smtClean="0"/>
+              <a:rPr lang="ru-RU"/>
               <a:t>Второй уровень</a:t>
             </a:r>
           </a:p>
           <a:p>
             <a:pPr lvl="2"/>
             <a:r>
-              <a:rPr lang="ru-RU" smtClean="0"/>
+              <a:rPr lang="ru-RU"/>
               <a:t>Третий уровень</a:t>
             </a:r>
           </a:p>
           <a:p>
             <a:pPr lvl="3"/>
             <a:r>
-              <a:rPr lang="ru-RU" smtClean="0"/>
+              <a:rPr lang="ru-RU"/>
               <a:t>Четвертый уровень</a:t>
             </a:r>
           </a:p>
           <a:p>
             <a:pPr lvl="4"/>
             <a:r>
-              <a:rPr lang="ru-RU" smtClean="0"/>
+              <a:rPr lang="ru-RU"/>
               <a:t>Пятый уровень</a:t>
             </a:r>
             <a:endParaRPr lang="en-US" dirty="0"/>
@@ -4611,7 +4614,7 @@
           <a:p>
             <a:fld id="{C12C9FC2-4FCA-409E-86A6-48048E0F3F43}" type="datetimeFigureOut">
               <a:rPr lang="ru-RU" smtClean="0"/>
-              <a:t>29.12.2023</a:t>
+              <a:t>30.12.2023</a:t>
             </a:fld>
             <a:endParaRPr lang="ru-RU"/>
           </a:p>
@@ -4855,7 +4858,7 @@
           </a:lstStyle>
           <a:p>
             <a:r>
-              <a:rPr lang="ru-RU" smtClean="0"/>
+              <a:rPr lang="ru-RU"/>
               <a:t>Образец заголовка</a:t>
             </a:r>
             <a:endParaRPr lang="en-US" dirty="0"/>
@@ -4977,7 +4980,7 @@
           <a:p>
             <a:pPr lvl="0"/>
             <a:r>
-              <a:rPr lang="ru-RU" smtClean="0"/>
+              <a:rPr lang="ru-RU"/>
               <a:t>Образец текста</a:t>
             </a:r>
           </a:p>
@@ -5000,7 +5003,7 @@
           <a:p>
             <a:fld id="{C12C9FC2-4FCA-409E-86A6-48048E0F3F43}" type="datetimeFigureOut">
               <a:rPr lang="ru-RU" smtClean="0"/>
-              <a:t>29.12.2023</a:t>
+              <a:t>30.12.2023</a:t>
             </a:fld>
             <a:endParaRPr lang="ru-RU"/>
           </a:p>
@@ -5238,7 +5241,7 @@
           <a:lstStyle/>
           <a:p>
             <a:r>
-              <a:rPr lang="ru-RU" smtClean="0"/>
+              <a:rPr lang="ru-RU"/>
               <a:t>Образец заголовка</a:t>
             </a:r>
             <a:endParaRPr lang="en-US" dirty="0"/>
@@ -5267,35 +5270,35 @@
           <a:p>
             <a:pPr lvl="0"/>
             <a:r>
-              <a:rPr lang="ru-RU" smtClean="0"/>
+              <a:rPr lang="ru-RU"/>
               <a:t>Образец текста</a:t>
             </a:r>
           </a:p>
           <a:p>
             <a:pPr lvl="1"/>
             <a:r>
-              <a:rPr lang="ru-RU" smtClean="0"/>
+              <a:rPr lang="ru-RU"/>
               <a:t>Второй уровень</a:t>
             </a:r>
           </a:p>
           <a:p>
             <a:pPr lvl="2"/>
             <a:r>
-              <a:rPr lang="ru-RU" smtClean="0"/>
+              <a:rPr lang="ru-RU"/>
               <a:t>Третий уровень</a:t>
             </a:r>
           </a:p>
           <a:p>
             <a:pPr lvl="3"/>
             <a:r>
-              <a:rPr lang="ru-RU" smtClean="0"/>
+              <a:rPr lang="ru-RU"/>
               <a:t>Четвертый уровень</a:t>
             </a:r>
           </a:p>
           <a:p>
             <a:pPr lvl="4"/>
             <a:r>
-              <a:rPr lang="ru-RU" smtClean="0"/>
+              <a:rPr lang="ru-RU"/>
               <a:t>Пятый уровень</a:t>
             </a:r>
             <a:endParaRPr lang="en-US" dirty="0"/>
@@ -5324,35 +5327,35 @@
           <a:p>
             <a:pPr lvl="0"/>
             <a:r>
-              <a:rPr lang="ru-RU" smtClean="0"/>
+              <a:rPr lang="ru-RU"/>
               <a:t>Образец текста</a:t>
             </a:r>
           </a:p>
           <a:p>
             <a:pPr lvl="1"/>
             <a:r>
-              <a:rPr lang="ru-RU" smtClean="0"/>
+              <a:rPr lang="ru-RU"/>
               <a:t>Второй уровень</a:t>
             </a:r>
           </a:p>
           <a:p>
             <a:pPr lvl="2"/>
             <a:r>
-              <a:rPr lang="ru-RU" smtClean="0"/>
+              <a:rPr lang="ru-RU"/>
               <a:t>Третий уровень</a:t>
             </a:r>
           </a:p>
           <a:p>
             <a:pPr lvl="3"/>
             <a:r>
-              <a:rPr lang="ru-RU" smtClean="0"/>
+              <a:rPr lang="ru-RU"/>
               <a:t>Четвертый уровень</a:t>
             </a:r>
           </a:p>
           <a:p>
             <a:pPr lvl="4"/>
             <a:r>
-              <a:rPr lang="ru-RU" smtClean="0"/>
+              <a:rPr lang="ru-RU"/>
               <a:t>Пятый уровень</a:t>
             </a:r>
             <a:endParaRPr lang="en-US" dirty="0"/>
@@ -5376,7 +5379,7 @@
           <a:p>
             <a:fld id="{C12C9FC2-4FCA-409E-86A6-48048E0F3F43}" type="datetimeFigureOut">
               <a:rPr lang="ru-RU" smtClean="0"/>
-              <a:t>29.12.2023</a:t>
+              <a:t>30.12.2023</a:t>
             </a:fld>
             <a:endParaRPr lang="ru-RU"/>
           </a:p>
@@ -5614,7 +5617,7 @@
           <a:lstStyle/>
           <a:p>
             <a:r>
-              <a:rPr lang="ru-RU" smtClean="0"/>
+              <a:rPr lang="ru-RU"/>
               <a:t>Образец заголовка</a:t>
             </a:r>
             <a:endParaRPr lang="en-US" dirty="0"/>
@@ -5680,7 +5683,7 @@
           <a:p>
             <a:pPr lvl="0"/>
             <a:r>
-              <a:rPr lang="ru-RU" smtClean="0"/>
+              <a:rPr lang="ru-RU"/>
               <a:t>Образец текста</a:t>
             </a:r>
           </a:p>
@@ -5708,35 +5711,35 @@
           <a:p>
             <a:pPr lvl="0"/>
             <a:r>
-              <a:rPr lang="ru-RU" smtClean="0"/>
+              <a:rPr lang="ru-RU"/>
               <a:t>Образец текста</a:t>
             </a:r>
           </a:p>
           <a:p>
             <a:pPr lvl="1"/>
             <a:r>
-              <a:rPr lang="ru-RU" smtClean="0"/>
+              <a:rPr lang="ru-RU"/>
               <a:t>Второй уровень</a:t>
             </a:r>
           </a:p>
           <a:p>
             <a:pPr lvl="2"/>
             <a:r>
-              <a:rPr lang="ru-RU" smtClean="0"/>
+              <a:rPr lang="ru-RU"/>
               <a:t>Третий уровень</a:t>
             </a:r>
           </a:p>
           <a:p>
             <a:pPr lvl="3"/>
             <a:r>
-              <a:rPr lang="ru-RU" smtClean="0"/>
+              <a:rPr lang="ru-RU"/>
               <a:t>Четвертый уровень</a:t>
             </a:r>
           </a:p>
           <a:p>
             <a:pPr lvl="4"/>
             <a:r>
-              <a:rPr lang="ru-RU" smtClean="0"/>
+              <a:rPr lang="ru-RU"/>
               <a:t>Пятый уровень</a:t>
             </a:r>
             <a:endParaRPr lang="en-US" dirty="0"/>
@@ -5802,7 +5805,7 @@
           <a:p>
             <a:pPr lvl="0"/>
             <a:r>
-              <a:rPr lang="ru-RU" smtClean="0"/>
+              <a:rPr lang="ru-RU"/>
               <a:t>Образец текста</a:t>
             </a:r>
           </a:p>
@@ -5830,35 +5833,35 @@
           <a:p>
             <a:pPr lvl="0"/>
             <a:r>
-              <a:rPr lang="ru-RU" smtClean="0"/>
+              <a:rPr lang="ru-RU"/>
               <a:t>Образец текста</a:t>
             </a:r>
           </a:p>
           <a:p>
             <a:pPr lvl="1"/>
             <a:r>
-              <a:rPr lang="ru-RU" smtClean="0"/>
+              <a:rPr lang="ru-RU"/>
               <a:t>Второй уровень</a:t>
             </a:r>
           </a:p>
           <a:p>
             <a:pPr lvl="2"/>
             <a:r>
-              <a:rPr lang="ru-RU" smtClean="0"/>
+              <a:rPr lang="ru-RU"/>
               <a:t>Третий уровень</a:t>
             </a:r>
           </a:p>
           <a:p>
             <a:pPr lvl="3"/>
             <a:r>
-              <a:rPr lang="ru-RU" smtClean="0"/>
+              <a:rPr lang="ru-RU"/>
               <a:t>Четвертый уровень</a:t>
             </a:r>
           </a:p>
           <a:p>
             <a:pPr lvl="4"/>
             <a:r>
-              <a:rPr lang="ru-RU" smtClean="0"/>
+              <a:rPr lang="ru-RU"/>
               <a:t>Пятый уровень</a:t>
             </a:r>
             <a:endParaRPr lang="en-US" dirty="0"/>
@@ -5882,7 +5885,7 @@
           <a:p>
             <a:fld id="{C12C9FC2-4FCA-409E-86A6-48048E0F3F43}" type="datetimeFigureOut">
               <a:rPr lang="ru-RU" smtClean="0"/>
-              <a:t>29.12.2023</a:t>
+              <a:t>30.12.2023</a:t>
             </a:fld>
             <a:endParaRPr lang="ru-RU"/>
           </a:p>
@@ -6115,7 +6118,7 @@
           <a:lstStyle/>
           <a:p>
             <a:r>
-              <a:rPr lang="ru-RU" smtClean="0"/>
+              <a:rPr lang="ru-RU"/>
               <a:t>Образец заголовка</a:t>
             </a:r>
             <a:endParaRPr lang="en-US" dirty="0"/>
@@ -6139,7 +6142,7 @@
           <a:p>
             <a:fld id="{C12C9FC2-4FCA-409E-86A6-48048E0F3F43}" type="datetimeFigureOut">
               <a:rPr lang="ru-RU" smtClean="0"/>
-              <a:t>29.12.2023</a:t>
+              <a:t>30.12.2023</a:t>
             </a:fld>
             <a:endParaRPr lang="ru-RU"/>
           </a:p>
@@ -6302,7 +6305,7 @@
           <a:p>
             <a:fld id="{C12C9FC2-4FCA-409E-86A6-48048E0F3F43}" type="datetimeFigureOut">
               <a:rPr lang="ru-RU" smtClean="0"/>
-              <a:t>29.12.2023</a:t>
+              <a:t>30.12.2023</a:t>
             </a:fld>
             <a:endParaRPr lang="ru-RU"/>
           </a:p>
@@ -6546,7 +6549,7 @@
           </a:lstStyle>
           <a:p>
             <a:r>
-              <a:rPr lang="ru-RU" smtClean="0"/>
+              <a:rPr lang="ru-RU"/>
               <a:t>Образец заголовка</a:t>
             </a:r>
             <a:endParaRPr lang="en-US" dirty="0"/>
@@ -6575,35 +6578,35 @@
           <a:p>
             <a:pPr lvl="0"/>
             <a:r>
-              <a:rPr lang="ru-RU" smtClean="0"/>
+              <a:rPr lang="ru-RU"/>
               <a:t>Образец текста</a:t>
             </a:r>
           </a:p>
           <a:p>
             <a:pPr lvl="1"/>
             <a:r>
-              <a:rPr lang="ru-RU" smtClean="0"/>
+              <a:rPr lang="ru-RU"/>
               <a:t>Второй уровень</a:t>
             </a:r>
           </a:p>
           <a:p>
             <a:pPr lvl="2"/>
             <a:r>
-              <a:rPr lang="ru-RU" smtClean="0"/>
+              <a:rPr lang="ru-RU"/>
               <a:t>Третий уровень</a:t>
             </a:r>
           </a:p>
           <a:p>
             <a:pPr lvl="3"/>
             <a:r>
-              <a:rPr lang="ru-RU" smtClean="0"/>
+              <a:rPr lang="ru-RU"/>
               <a:t>Четвертый уровень</a:t>
             </a:r>
           </a:p>
           <a:p>
             <a:pPr lvl="4"/>
             <a:r>
-              <a:rPr lang="ru-RU" smtClean="0"/>
+              <a:rPr lang="ru-RU"/>
               <a:t>Пятый уровень</a:t>
             </a:r>
             <a:endParaRPr lang="en-US" dirty="0"/>
@@ -6669,7 +6672,7 @@
           <a:p>
             <a:pPr lvl="0"/>
             <a:r>
-              <a:rPr lang="ru-RU" smtClean="0"/>
+              <a:rPr lang="ru-RU"/>
               <a:t>Образец текста</a:t>
             </a:r>
           </a:p>
@@ -6692,7 +6695,7 @@
           <a:p>
             <a:fld id="{C12C9FC2-4FCA-409E-86A6-48048E0F3F43}" type="datetimeFigureOut">
               <a:rPr lang="ru-RU" smtClean="0"/>
-              <a:t>29.12.2023</a:t>
+              <a:t>30.12.2023</a:t>
             </a:fld>
             <a:endParaRPr lang="ru-RU"/>
           </a:p>
@@ -6936,7 +6939,7 @@
           </a:lstStyle>
           <a:p>
             <a:r>
-              <a:rPr lang="ru-RU" smtClean="0"/>
+              <a:rPr lang="ru-RU"/>
               <a:t>Образец заголовка</a:t>
             </a:r>
             <a:endParaRPr lang="en-US" dirty="0"/>
@@ -7012,7 +7015,7 @@
           </a:lstStyle>
           <a:p>
             <a:r>
-              <a:rPr lang="ru-RU" smtClean="0"/>
+              <a:rPr lang="ru-RU"/>
               <a:t>Вставка рисунка</a:t>
             </a:r>
             <a:endParaRPr lang="en-US" dirty="0"/>
@@ -7078,7 +7081,7 @@
           <a:p>
             <a:pPr lvl="0"/>
             <a:r>
-              <a:rPr lang="ru-RU" smtClean="0"/>
+              <a:rPr lang="ru-RU"/>
               <a:t>Образец текста</a:t>
             </a:r>
           </a:p>
@@ -7101,7 +7104,7 @@
           <a:p>
             <a:fld id="{C12C9FC2-4FCA-409E-86A6-48048E0F3F43}" type="datetimeFigureOut">
               <a:rPr lang="ru-RU" smtClean="0"/>
-              <a:t>29.12.2023</a:t>
+              <a:t>30.12.2023</a:t>
             </a:fld>
             <a:endParaRPr lang="ru-RU"/>
           </a:p>
@@ -7241,7 +7244,7 @@
           <a:lstStyle/>
           <a:p>
             <a:r>
-              <a:rPr lang="ru-RU" smtClean="0"/>
+              <a:rPr lang="ru-RU"/>
               <a:t>Образец заголовка</a:t>
             </a:r>
             <a:endParaRPr lang="en-US" dirty="0"/>
@@ -7275,35 +7278,35 @@
           <a:p>
             <a:pPr lvl="0"/>
             <a:r>
-              <a:rPr lang="ru-RU" smtClean="0"/>
+              <a:rPr lang="ru-RU"/>
               <a:t>Образец текста</a:t>
             </a:r>
           </a:p>
           <a:p>
             <a:pPr lvl="1"/>
             <a:r>
-              <a:rPr lang="ru-RU" smtClean="0"/>
+              <a:rPr lang="ru-RU"/>
               <a:t>Второй уровень</a:t>
             </a:r>
           </a:p>
           <a:p>
             <a:pPr lvl="2"/>
             <a:r>
-              <a:rPr lang="ru-RU" smtClean="0"/>
+              <a:rPr lang="ru-RU"/>
               <a:t>Третий уровень</a:t>
             </a:r>
           </a:p>
           <a:p>
             <a:pPr lvl="3"/>
             <a:r>
-              <a:rPr lang="ru-RU" smtClean="0"/>
+              <a:rPr lang="ru-RU"/>
               <a:t>Четвертый уровень</a:t>
             </a:r>
           </a:p>
           <a:p>
             <a:pPr lvl="4"/>
             <a:r>
-              <a:rPr lang="ru-RU" smtClean="0"/>
+              <a:rPr lang="ru-RU"/>
               <a:t>Пятый уровень</a:t>
             </a:r>
             <a:endParaRPr lang="en-US" dirty="0"/>
@@ -7345,7 +7348,7 @@
           <a:p>
             <a:fld id="{C12C9FC2-4FCA-409E-86A6-48048E0F3F43}" type="datetimeFigureOut">
               <a:rPr lang="ru-RU" smtClean="0"/>
-              <a:t>29.12.2023</a:t>
+              <a:t>30.12.2023</a:t>
             </a:fld>
             <a:endParaRPr lang="ru-RU"/>
           </a:p>
@@ -7780,10 +7783,9 @@
           <a:p>
             <a:pPr algn="ctr"/>
             <a:r>
-              <a:rPr lang="ru-RU" sz="3200" dirty="0" smtClean="0"/>
+              <a:rPr lang="ru-RU" sz="3200" dirty="0"/>
               <a:t>Компьютерная логическая игра - Реверси</a:t>
             </a:r>
-            <a:endParaRPr lang="ru-RU" sz="3200" dirty="0"/>
           </a:p>
         </p:txBody>
       </p:sp>
@@ -7797,20 +7799,1136 @@
   <p:clrMapOvr>
     <a:masterClrMapping/>
   </p:clrMapOvr>
-  <mc:AlternateContent xmlns:mc="http://schemas.openxmlformats.org/markup-compatibility/2006">
-    <mc:Choice xmlns:p14="http://schemas.microsoft.com/office/powerpoint/2010/main" Requires="p14">
+  <mc:AlternateContent xmlns:mc="http://schemas.openxmlformats.org/markup-compatibility/2006" xmlns:p14="http://schemas.microsoft.com/office/powerpoint/2010/main">
+    <mc:Choice Requires="p14">
       <p:transition spd="slow" p14:dur="2000" advClick="0"/>
     </mc:Choice>
-    <mc:Fallback>
+    <mc:Fallback xmlns="">
       <p:transition spd="slow" advClick="0"/>
     </mc:Fallback>
   </mc:AlternateContent>
+</p:sld>
+</file>
+
+<file path=ppt/slides/slide10.xml><?xml version="1.0" encoding="utf-8"?>
+<p:sld xmlns:a="http://schemas.openxmlformats.org/drawingml/2006/main" xmlns:r="http://schemas.openxmlformats.org/officeDocument/2006/relationships" xmlns:p="http://schemas.openxmlformats.org/presentationml/2006/main">
+  <p:cSld>
+    <p:spTree>
+      <p:nvGrpSpPr>
+        <p:cNvPr id="1" name=""/>
+        <p:cNvGrpSpPr/>
+        <p:nvPr/>
+      </p:nvGrpSpPr>
+      <p:grpSpPr>
+        <a:xfrm>
+          <a:off x="0" y="0"/>
+          <a:ext cx="0" cy="0"/>
+          <a:chOff x="0" y="0"/>
+          <a:chExt cx="0" cy="0"/>
+        </a:xfrm>
+      </p:grpSpPr>
+      <p:sp>
+        <p:nvSpPr>
+          <p:cNvPr id="2" name="Заголовок 1"/>
+          <p:cNvSpPr>
+            <a:spLocks noGrp="1"/>
+          </p:cNvSpPr>
+          <p:nvPr>
+            <p:ph type="title"/>
+          </p:nvPr>
+        </p:nvSpPr>
+        <p:spPr/>
+        <p:txBody>
+          <a:bodyPr>
+            <a:normAutofit/>
+          </a:bodyPr>
+          <a:lstStyle/>
+          <a:p>
+            <a:pPr algn="ctr"/>
+            <a:r>
+              <a:rPr lang="ru-RU" sz="3200" dirty="0"/>
+              <a:t>Как игру видит пользователь</a:t>
+            </a:r>
+            <a:br>
+              <a:rPr lang="ru-RU" sz="3200" dirty="0"/>
+            </a:br>
+            <a:r>
+              <a:rPr lang="ru-RU" sz="3200" b="1" dirty="0"/>
+              <a:t>Процесс игры</a:t>
+            </a:r>
+          </a:p>
+        </p:txBody>
+      </p:sp>
+      <p:sp>
+        <p:nvSpPr>
+          <p:cNvPr id="4" name="TextBox 3"/>
+          <p:cNvSpPr txBox="1"/>
+          <p:nvPr/>
+        </p:nvSpPr>
+        <p:spPr>
+          <a:xfrm>
+            <a:off x="10577146" y="536336"/>
+            <a:ext cx="1614854" cy="1446550"/>
+          </a:xfrm>
+          <a:prstGeom prst="rect">
+            <a:avLst/>
+          </a:prstGeom>
+          <a:noFill/>
+        </p:spPr>
+        <p:txBody>
+          <a:bodyPr wrap="square" rtlCol="0">
+            <a:spAutoFit/>
+          </a:bodyPr>
+          <a:lstStyle/>
+          <a:p>
+            <a:pPr algn="ctr"/>
+            <a:r>
+              <a:rPr lang="ru-RU" sz="8800" dirty="0"/>
+              <a:t>?</a:t>
+            </a:r>
+          </a:p>
+        </p:txBody>
+      </p:sp>
+      <p:pic>
+        <p:nvPicPr>
+          <p:cNvPr id="3" name="Рисунок 2"/>
+          <p:cNvPicPr>
+            <a:picLocks noChangeAspect="1"/>
+          </p:cNvPicPr>
+          <p:nvPr/>
+        </p:nvPicPr>
+        <p:blipFill>
+          <a:blip r:embed="rId2"/>
+          <a:stretch>
+            <a:fillRect/>
+          </a:stretch>
+        </p:blipFill>
+        <p:spPr>
+          <a:xfrm>
+            <a:off x="145806" y="2136830"/>
+            <a:ext cx="3124932" cy="4516382"/>
+          </a:xfrm>
+          <a:prstGeom prst="rect">
+            <a:avLst/>
+          </a:prstGeom>
+        </p:spPr>
+      </p:pic>
+      <p:sp>
+        <p:nvSpPr>
+          <p:cNvPr id="6" name="TextBox 5"/>
+          <p:cNvSpPr txBox="1"/>
+          <p:nvPr/>
+        </p:nvSpPr>
+        <p:spPr>
+          <a:xfrm>
+            <a:off x="3472961" y="3517858"/>
+            <a:ext cx="8264769" cy="1754326"/>
+          </a:xfrm>
+          <a:prstGeom prst="rect">
+            <a:avLst/>
+          </a:prstGeom>
+          <a:noFill/>
+        </p:spPr>
+        <p:txBody>
+          <a:bodyPr wrap="square" rtlCol="0">
+            <a:spAutoFit/>
+          </a:bodyPr>
+          <a:lstStyle/>
+          <a:p>
+            <a:r>
+              <a:rPr lang="ru-RU" dirty="0"/>
+              <a:t>После хода чёрных (игрока), ход делает искусственный интеллект.</a:t>
+            </a:r>
+          </a:p>
+          <a:p>
+            <a:endParaRPr lang="ru-RU" dirty="0"/>
+          </a:p>
+          <a:p>
+            <a:r>
+              <a:rPr lang="ru-RU" dirty="0"/>
+              <a:t>Если игрок нажимает на свободную клетку во время своего хода, которая по правилам игры не подходит для хода – ничего не происходит, так как выполняется функция проверки доступности хода, которая проверяет все клетки и фишки, расположенные по вертикали, диагонали и горизонтали.</a:t>
+            </a:r>
+          </a:p>
+        </p:txBody>
+      </p:sp>
+    </p:spTree>
+    <p:extLst>
+      <p:ext uri="{BB962C8B-B14F-4D97-AF65-F5344CB8AC3E}">
+        <p14:creationId xmlns:p14="http://schemas.microsoft.com/office/powerpoint/2010/main" val="2416134175"/>
+      </p:ext>
+    </p:extLst>
+  </p:cSld>
+  <p:clrMapOvr>
+    <a:masterClrMapping/>
+  </p:clrMapOvr>
   <p:timing>
     <p:tnLst>
       <p:par>
-        <p:cTn id="1" dur="indefinite" restart="never" nodeType="tmRoot"/>
+        <p:cTn id="1" dur="indefinite" restart="never" nodeType="tmRoot">
+          <p:childTnLst>
+            <p:seq concurrent="1" nextAc="seek">
+              <p:cTn id="2" dur="indefinite" nodeType="mainSeq">
+                <p:childTnLst>
+                  <p:par>
+                    <p:cTn id="3" fill="hold">
+                      <p:stCondLst>
+                        <p:cond delay="indefinite"/>
+                        <p:cond evt="onBegin" delay="0">
+                          <p:tn val="2"/>
+                        </p:cond>
+                      </p:stCondLst>
+                      <p:childTnLst>
+                        <p:par>
+                          <p:cTn id="4" fill="hold">
+                            <p:stCondLst>
+                              <p:cond delay="0"/>
+                            </p:stCondLst>
+                            <p:childTnLst>
+                              <p:par>
+                                <p:cTn id="5" presetID="2" presetClass="entr" presetSubtype="2" fill="hold" nodeType="withEffect">
+                                  <p:stCondLst>
+                                    <p:cond delay="0"/>
+                                  </p:stCondLst>
+                                  <p:childTnLst>
+                                    <p:set>
+                                      <p:cBhvr>
+                                        <p:cTn id="6" dur="1" fill="hold">
+                                          <p:stCondLst>
+                                            <p:cond delay="0"/>
+                                          </p:stCondLst>
+                                        </p:cTn>
+                                        <p:tgtEl>
+                                          <p:spTgt spid="3"/>
+                                        </p:tgtEl>
+                                        <p:attrNameLst>
+                                          <p:attrName>style.visibility</p:attrName>
+                                        </p:attrNameLst>
+                                      </p:cBhvr>
+                                      <p:to>
+                                        <p:strVal val="visible"/>
+                                      </p:to>
+                                    </p:set>
+                                    <p:anim calcmode="lin" valueType="num">
+                                      <p:cBhvr additive="base">
+                                        <p:cTn id="7" dur="500" fill="hold"/>
+                                        <p:tgtEl>
+                                          <p:spTgt spid="3"/>
+                                        </p:tgtEl>
+                                        <p:attrNameLst>
+                                          <p:attrName>ppt_x</p:attrName>
+                                        </p:attrNameLst>
+                                      </p:cBhvr>
+                                      <p:tavLst>
+                                        <p:tav tm="0">
+                                          <p:val>
+                                            <p:strVal val="1+#ppt_w/2"/>
+                                          </p:val>
+                                        </p:tav>
+                                        <p:tav tm="100000">
+                                          <p:val>
+                                            <p:strVal val="#ppt_x"/>
+                                          </p:val>
+                                        </p:tav>
+                                      </p:tavLst>
+                                    </p:anim>
+                                    <p:anim calcmode="lin" valueType="num">
+                                      <p:cBhvr additive="base">
+                                        <p:cTn id="8" dur="500" fill="hold"/>
+                                        <p:tgtEl>
+                                          <p:spTgt spid="3"/>
+                                        </p:tgtEl>
+                                        <p:attrNameLst>
+                                          <p:attrName>ppt_y</p:attrName>
+                                        </p:attrNameLst>
+                                      </p:cBhvr>
+                                      <p:tavLst>
+                                        <p:tav tm="0">
+                                          <p:val>
+                                            <p:strVal val="#ppt_y"/>
+                                          </p:val>
+                                        </p:tav>
+                                        <p:tav tm="100000">
+                                          <p:val>
+                                            <p:strVal val="#ppt_y"/>
+                                          </p:val>
+                                        </p:tav>
+                                      </p:tavLst>
+                                    </p:anim>
+                                  </p:childTnLst>
+                                </p:cTn>
+                              </p:par>
+                              <p:par>
+                                <p:cTn id="9" presetID="2" presetClass="entr" presetSubtype="2" fill="hold" grpId="0" nodeType="withEffect">
+                                  <p:stCondLst>
+                                    <p:cond delay="0"/>
+                                  </p:stCondLst>
+                                  <p:childTnLst>
+                                    <p:set>
+                                      <p:cBhvr>
+                                        <p:cTn id="10" dur="1" fill="hold">
+                                          <p:stCondLst>
+                                            <p:cond delay="0"/>
+                                          </p:stCondLst>
+                                        </p:cTn>
+                                        <p:tgtEl>
+                                          <p:spTgt spid="6"/>
+                                        </p:tgtEl>
+                                        <p:attrNameLst>
+                                          <p:attrName>style.visibility</p:attrName>
+                                        </p:attrNameLst>
+                                      </p:cBhvr>
+                                      <p:to>
+                                        <p:strVal val="visible"/>
+                                      </p:to>
+                                    </p:set>
+                                    <p:anim calcmode="lin" valueType="num">
+                                      <p:cBhvr additive="base">
+                                        <p:cTn id="11" dur="500" fill="hold"/>
+                                        <p:tgtEl>
+                                          <p:spTgt spid="6"/>
+                                        </p:tgtEl>
+                                        <p:attrNameLst>
+                                          <p:attrName>ppt_x</p:attrName>
+                                        </p:attrNameLst>
+                                      </p:cBhvr>
+                                      <p:tavLst>
+                                        <p:tav tm="0">
+                                          <p:val>
+                                            <p:strVal val="1+#ppt_w/2"/>
+                                          </p:val>
+                                        </p:tav>
+                                        <p:tav tm="100000">
+                                          <p:val>
+                                            <p:strVal val="#ppt_x"/>
+                                          </p:val>
+                                        </p:tav>
+                                      </p:tavLst>
+                                    </p:anim>
+                                    <p:anim calcmode="lin" valueType="num">
+                                      <p:cBhvr additive="base">
+                                        <p:cTn id="12" dur="500" fill="hold"/>
+                                        <p:tgtEl>
+                                          <p:spTgt spid="6"/>
+                                        </p:tgtEl>
+                                        <p:attrNameLst>
+                                          <p:attrName>ppt_y</p:attrName>
+                                        </p:attrNameLst>
+                                      </p:cBhvr>
+                                      <p:tavLst>
+                                        <p:tav tm="0">
+                                          <p:val>
+                                            <p:strVal val="#ppt_y"/>
+                                          </p:val>
+                                        </p:tav>
+                                        <p:tav tm="100000">
+                                          <p:val>
+                                            <p:strVal val="#ppt_y"/>
+                                          </p:val>
+                                        </p:tav>
+                                      </p:tavLst>
+                                    </p:anim>
+                                  </p:childTnLst>
+                                </p:cTn>
+                              </p:par>
+                            </p:childTnLst>
+                          </p:cTn>
+                        </p:par>
+                      </p:childTnLst>
+                    </p:cTn>
+                  </p:par>
+                  <p:par>
+                    <p:cTn id="13" fill="hold">
+                      <p:stCondLst>
+                        <p:cond delay="indefinite"/>
+                      </p:stCondLst>
+                      <p:childTnLst>
+                        <p:par>
+                          <p:cTn id="14" fill="hold">
+                            <p:stCondLst>
+                              <p:cond delay="0"/>
+                            </p:stCondLst>
+                            <p:childTnLst>
+                              <p:par>
+                                <p:cTn id="15" presetID="2" presetClass="exit" presetSubtype="2" fill="hold" nodeType="clickEffect">
+                                  <p:stCondLst>
+                                    <p:cond delay="0"/>
+                                  </p:stCondLst>
+                                  <p:childTnLst>
+                                    <p:anim calcmode="lin" valueType="num">
+                                      <p:cBhvr additive="base">
+                                        <p:cTn id="16" dur="500"/>
+                                        <p:tgtEl>
+                                          <p:spTgt spid="3"/>
+                                        </p:tgtEl>
+                                        <p:attrNameLst>
+                                          <p:attrName>ppt_x</p:attrName>
+                                        </p:attrNameLst>
+                                      </p:cBhvr>
+                                      <p:tavLst>
+                                        <p:tav tm="0">
+                                          <p:val>
+                                            <p:strVal val="ppt_x"/>
+                                          </p:val>
+                                        </p:tav>
+                                        <p:tav tm="100000">
+                                          <p:val>
+                                            <p:strVal val="1+ppt_w/2"/>
+                                          </p:val>
+                                        </p:tav>
+                                      </p:tavLst>
+                                    </p:anim>
+                                    <p:anim calcmode="lin" valueType="num">
+                                      <p:cBhvr additive="base">
+                                        <p:cTn id="17" dur="500"/>
+                                        <p:tgtEl>
+                                          <p:spTgt spid="3"/>
+                                        </p:tgtEl>
+                                        <p:attrNameLst>
+                                          <p:attrName>ppt_y</p:attrName>
+                                        </p:attrNameLst>
+                                      </p:cBhvr>
+                                      <p:tavLst>
+                                        <p:tav tm="0">
+                                          <p:val>
+                                            <p:strVal val="ppt_y"/>
+                                          </p:val>
+                                        </p:tav>
+                                        <p:tav tm="100000">
+                                          <p:val>
+                                            <p:strVal val="ppt_y"/>
+                                          </p:val>
+                                        </p:tav>
+                                      </p:tavLst>
+                                    </p:anim>
+                                    <p:set>
+                                      <p:cBhvr>
+                                        <p:cTn id="18" dur="1" fill="hold">
+                                          <p:stCondLst>
+                                            <p:cond delay="499"/>
+                                          </p:stCondLst>
+                                        </p:cTn>
+                                        <p:tgtEl>
+                                          <p:spTgt spid="3"/>
+                                        </p:tgtEl>
+                                        <p:attrNameLst>
+                                          <p:attrName>style.visibility</p:attrName>
+                                        </p:attrNameLst>
+                                      </p:cBhvr>
+                                      <p:to>
+                                        <p:strVal val="hidden"/>
+                                      </p:to>
+                                    </p:set>
+                                  </p:childTnLst>
+                                </p:cTn>
+                              </p:par>
+                              <p:par>
+                                <p:cTn id="19" presetID="2" presetClass="exit" presetSubtype="2" fill="hold" grpId="1" nodeType="withEffect">
+                                  <p:stCondLst>
+                                    <p:cond delay="0"/>
+                                  </p:stCondLst>
+                                  <p:childTnLst>
+                                    <p:anim calcmode="lin" valueType="num">
+                                      <p:cBhvr additive="base">
+                                        <p:cTn id="20" dur="500"/>
+                                        <p:tgtEl>
+                                          <p:spTgt spid="6"/>
+                                        </p:tgtEl>
+                                        <p:attrNameLst>
+                                          <p:attrName>ppt_x</p:attrName>
+                                        </p:attrNameLst>
+                                      </p:cBhvr>
+                                      <p:tavLst>
+                                        <p:tav tm="0">
+                                          <p:val>
+                                            <p:strVal val="ppt_x"/>
+                                          </p:val>
+                                        </p:tav>
+                                        <p:tav tm="100000">
+                                          <p:val>
+                                            <p:strVal val="1+ppt_w/2"/>
+                                          </p:val>
+                                        </p:tav>
+                                      </p:tavLst>
+                                    </p:anim>
+                                    <p:anim calcmode="lin" valueType="num">
+                                      <p:cBhvr additive="base">
+                                        <p:cTn id="21" dur="500"/>
+                                        <p:tgtEl>
+                                          <p:spTgt spid="6"/>
+                                        </p:tgtEl>
+                                        <p:attrNameLst>
+                                          <p:attrName>ppt_y</p:attrName>
+                                        </p:attrNameLst>
+                                      </p:cBhvr>
+                                      <p:tavLst>
+                                        <p:tav tm="0">
+                                          <p:val>
+                                            <p:strVal val="ppt_y"/>
+                                          </p:val>
+                                        </p:tav>
+                                        <p:tav tm="100000">
+                                          <p:val>
+                                            <p:strVal val="ppt_y"/>
+                                          </p:val>
+                                        </p:tav>
+                                      </p:tavLst>
+                                    </p:anim>
+                                    <p:set>
+                                      <p:cBhvr>
+                                        <p:cTn id="22" dur="1" fill="hold">
+                                          <p:stCondLst>
+                                            <p:cond delay="499"/>
+                                          </p:stCondLst>
+                                        </p:cTn>
+                                        <p:tgtEl>
+                                          <p:spTgt spid="6"/>
+                                        </p:tgtEl>
+                                        <p:attrNameLst>
+                                          <p:attrName>style.visibility</p:attrName>
+                                        </p:attrNameLst>
+                                      </p:cBhvr>
+                                      <p:to>
+                                        <p:strVal val="hidden"/>
+                                      </p:to>
+                                    </p:set>
+                                  </p:childTnLst>
+                                </p:cTn>
+                              </p:par>
+                            </p:childTnLst>
+                          </p:cTn>
+                        </p:par>
+                      </p:childTnLst>
+                    </p:cTn>
+                  </p:par>
+                </p:childTnLst>
+              </p:cTn>
+              <p:prevCondLst>
+                <p:cond evt="onPrev" delay="0">
+                  <p:tgtEl>
+                    <p:sldTgt/>
+                  </p:tgtEl>
+                </p:cond>
+              </p:prevCondLst>
+              <p:nextCondLst>
+                <p:cond evt="onNext" delay="0">
+                  <p:tgtEl>
+                    <p:sldTgt/>
+                  </p:tgtEl>
+                </p:cond>
+              </p:nextCondLst>
+            </p:seq>
+          </p:childTnLst>
+        </p:cTn>
       </p:par>
     </p:tnLst>
+    <p:bldLst>
+      <p:bldP spid="6" grpId="0"/>
+      <p:bldP spid="6" grpId="1"/>
+    </p:bldLst>
+  </p:timing>
+</p:sld>
+</file>
+
+<file path=ppt/slides/slide11.xml><?xml version="1.0" encoding="utf-8"?>
+<p:sld xmlns:a="http://schemas.openxmlformats.org/drawingml/2006/main" xmlns:r="http://schemas.openxmlformats.org/officeDocument/2006/relationships" xmlns:p="http://schemas.openxmlformats.org/presentationml/2006/main">
+  <p:cSld>
+    <p:spTree>
+      <p:nvGrpSpPr>
+        <p:cNvPr id="1" name=""/>
+        <p:cNvGrpSpPr/>
+        <p:nvPr/>
+      </p:nvGrpSpPr>
+      <p:grpSpPr>
+        <a:xfrm>
+          <a:off x="0" y="0"/>
+          <a:ext cx="0" cy="0"/>
+          <a:chOff x="0" y="0"/>
+          <a:chExt cx="0" cy="0"/>
+        </a:xfrm>
+      </p:grpSpPr>
+      <p:sp>
+        <p:nvSpPr>
+          <p:cNvPr id="2" name="Заголовок 1"/>
+          <p:cNvSpPr>
+            <a:spLocks noGrp="1"/>
+          </p:cNvSpPr>
+          <p:nvPr>
+            <p:ph type="title"/>
+          </p:nvPr>
+        </p:nvSpPr>
+        <p:spPr/>
+        <p:txBody>
+          <a:bodyPr>
+            <a:normAutofit/>
+          </a:bodyPr>
+          <a:lstStyle/>
+          <a:p>
+            <a:pPr algn="ctr"/>
+            <a:r>
+              <a:rPr lang="ru-RU" sz="3200" dirty="0"/>
+              <a:t>Как игру видит пользователь</a:t>
+            </a:r>
+            <a:br>
+              <a:rPr lang="ru-RU" sz="3200" dirty="0"/>
+            </a:br>
+            <a:r>
+              <a:rPr lang="ru-RU" sz="3200" b="1" dirty="0"/>
+              <a:t>Конец игры</a:t>
+            </a:r>
+          </a:p>
+        </p:txBody>
+      </p:sp>
+      <p:sp>
+        <p:nvSpPr>
+          <p:cNvPr id="4" name="TextBox 3"/>
+          <p:cNvSpPr txBox="1"/>
+          <p:nvPr/>
+        </p:nvSpPr>
+        <p:spPr>
+          <a:xfrm>
+            <a:off x="10577146" y="536336"/>
+            <a:ext cx="1614854" cy="1446550"/>
+          </a:xfrm>
+          <a:prstGeom prst="rect">
+            <a:avLst/>
+          </a:prstGeom>
+          <a:noFill/>
+        </p:spPr>
+        <p:txBody>
+          <a:bodyPr wrap="square" rtlCol="0">
+            <a:spAutoFit/>
+          </a:bodyPr>
+          <a:lstStyle/>
+          <a:p>
+            <a:pPr algn="ctr"/>
+            <a:r>
+              <a:rPr lang="ru-RU" sz="8800" dirty="0"/>
+              <a:t>?</a:t>
+            </a:r>
+          </a:p>
+        </p:txBody>
+      </p:sp>
+      <p:pic>
+        <p:nvPicPr>
+          <p:cNvPr id="3" name="Рисунок 2"/>
+          <p:cNvPicPr>
+            <a:picLocks noChangeAspect="1"/>
+          </p:cNvPicPr>
+          <p:nvPr/>
+        </p:nvPicPr>
+        <p:blipFill>
+          <a:blip r:embed="rId2"/>
+          <a:stretch>
+            <a:fillRect/>
+          </a:stretch>
+        </p:blipFill>
+        <p:spPr>
+          <a:xfrm>
+            <a:off x="158627" y="2171700"/>
+            <a:ext cx="3049739" cy="4411906"/>
+          </a:xfrm>
+          <a:prstGeom prst="rect">
+            <a:avLst/>
+          </a:prstGeom>
+        </p:spPr>
+      </p:pic>
+      <p:sp>
+        <p:nvSpPr>
+          <p:cNvPr id="5" name="TextBox 4"/>
+          <p:cNvSpPr txBox="1"/>
+          <p:nvPr/>
+        </p:nvSpPr>
+        <p:spPr>
+          <a:xfrm>
+            <a:off x="3490546" y="3500490"/>
+            <a:ext cx="8264769" cy="1754326"/>
+          </a:xfrm>
+          <a:prstGeom prst="rect">
+            <a:avLst/>
+          </a:prstGeom>
+          <a:noFill/>
+        </p:spPr>
+        <p:txBody>
+          <a:bodyPr wrap="square" rtlCol="0">
+            <a:spAutoFit/>
+          </a:bodyPr>
+          <a:lstStyle/>
+          <a:p>
+            <a:r>
+              <a:rPr lang="ru-RU" dirty="0"/>
+              <a:t>Когда все клетки игрового поля были закрыты, игра считается оконченной </a:t>
+            </a:r>
+          </a:p>
+          <a:p>
+            <a:r>
+              <a:rPr lang="ru-RU" dirty="0"/>
+              <a:t>и определяется победитель по количеству шашек на игровом поле.</a:t>
+            </a:r>
+          </a:p>
+          <a:p>
+            <a:endParaRPr lang="ru-RU" dirty="0"/>
+          </a:p>
+          <a:p>
+            <a:endParaRPr lang="ru-RU" dirty="0"/>
+          </a:p>
+          <a:p>
+            <a:r>
+              <a:rPr lang="ru-RU" dirty="0"/>
+              <a:t>Победитель подсвечивается зелёным, а также в подсказке отображается соответствующая информация.</a:t>
+            </a:r>
+          </a:p>
+        </p:txBody>
+      </p:sp>
+    </p:spTree>
+    <p:extLst>
+      <p:ext uri="{BB962C8B-B14F-4D97-AF65-F5344CB8AC3E}">
+        <p14:creationId xmlns:p14="http://schemas.microsoft.com/office/powerpoint/2010/main" val="1968464131"/>
+      </p:ext>
+    </p:extLst>
+  </p:cSld>
+  <p:clrMapOvr>
+    <a:masterClrMapping/>
+  </p:clrMapOvr>
+  <p:timing>
+    <p:tnLst>
+      <p:par>
+        <p:cTn id="1" dur="indefinite" restart="never" nodeType="tmRoot">
+          <p:childTnLst>
+            <p:seq concurrent="1" nextAc="seek">
+              <p:cTn id="2" dur="indefinite" nodeType="mainSeq">
+                <p:childTnLst>
+                  <p:par>
+                    <p:cTn id="3" fill="hold">
+                      <p:stCondLst>
+                        <p:cond delay="indefinite"/>
+                        <p:cond evt="onBegin" delay="0">
+                          <p:tn val="2"/>
+                        </p:cond>
+                      </p:stCondLst>
+                      <p:childTnLst>
+                        <p:par>
+                          <p:cTn id="4" fill="hold">
+                            <p:stCondLst>
+                              <p:cond delay="0"/>
+                            </p:stCondLst>
+                            <p:childTnLst>
+                              <p:par>
+                                <p:cTn id="5" presetID="2" presetClass="entr" presetSubtype="8" fill="hold" nodeType="withEffect">
+                                  <p:stCondLst>
+                                    <p:cond delay="0"/>
+                                  </p:stCondLst>
+                                  <p:childTnLst>
+                                    <p:set>
+                                      <p:cBhvr>
+                                        <p:cTn id="6" dur="1" fill="hold">
+                                          <p:stCondLst>
+                                            <p:cond delay="0"/>
+                                          </p:stCondLst>
+                                        </p:cTn>
+                                        <p:tgtEl>
+                                          <p:spTgt spid="3"/>
+                                        </p:tgtEl>
+                                        <p:attrNameLst>
+                                          <p:attrName>style.visibility</p:attrName>
+                                        </p:attrNameLst>
+                                      </p:cBhvr>
+                                      <p:to>
+                                        <p:strVal val="visible"/>
+                                      </p:to>
+                                    </p:set>
+                                    <p:anim calcmode="lin" valueType="num">
+                                      <p:cBhvr additive="base">
+                                        <p:cTn id="7" dur="500" fill="hold"/>
+                                        <p:tgtEl>
+                                          <p:spTgt spid="3"/>
+                                        </p:tgtEl>
+                                        <p:attrNameLst>
+                                          <p:attrName>ppt_x</p:attrName>
+                                        </p:attrNameLst>
+                                      </p:cBhvr>
+                                      <p:tavLst>
+                                        <p:tav tm="0">
+                                          <p:val>
+                                            <p:strVal val="0-#ppt_w/2"/>
+                                          </p:val>
+                                        </p:tav>
+                                        <p:tav tm="100000">
+                                          <p:val>
+                                            <p:strVal val="#ppt_x"/>
+                                          </p:val>
+                                        </p:tav>
+                                      </p:tavLst>
+                                    </p:anim>
+                                    <p:anim calcmode="lin" valueType="num">
+                                      <p:cBhvr additive="base">
+                                        <p:cTn id="8" dur="500" fill="hold"/>
+                                        <p:tgtEl>
+                                          <p:spTgt spid="3"/>
+                                        </p:tgtEl>
+                                        <p:attrNameLst>
+                                          <p:attrName>ppt_y</p:attrName>
+                                        </p:attrNameLst>
+                                      </p:cBhvr>
+                                      <p:tavLst>
+                                        <p:tav tm="0">
+                                          <p:val>
+                                            <p:strVal val="#ppt_y"/>
+                                          </p:val>
+                                        </p:tav>
+                                        <p:tav tm="100000">
+                                          <p:val>
+                                            <p:strVal val="#ppt_y"/>
+                                          </p:val>
+                                        </p:tav>
+                                      </p:tavLst>
+                                    </p:anim>
+                                  </p:childTnLst>
+                                </p:cTn>
+                              </p:par>
+                              <p:par>
+                                <p:cTn id="9" presetID="2" presetClass="entr" presetSubtype="8" fill="hold" grpId="0" nodeType="withEffect">
+                                  <p:stCondLst>
+                                    <p:cond delay="0"/>
+                                  </p:stCondLst>
+                                  <p:childTnLst>
+                                    <p:set>
+                                      <p:cBhvr>
+                                        <p:cTn id="10" dur="1" fill="hold">
+                                          <p:stCondLst>
+                                            <p:cond delay="0"/>
+                                          </p:stCondLst>
+                                        </p:cTn>
+                                        <p:tgtEl>
+                                          <p:spTgt spid="5"/>
+                                        </p:tgtEl>
+                                        <p:attrNameLst>
+                                          <p:attrName>style.visibility</p:attrName>
+                                        </p:attrNameLst>
+                                      </p:cBhvr>
+                                      <p:to>
+                                        <p:strVal val="visible"/>
+                                      </p:to>
+                                    </p:set>
+                                    <p:anim calcmode="lin" valueType="num">
+                                      <p:cBhvr additive="base">
+                                        <p:cTn id="11" dur="500" fill="hold"/>
+                                        <p:tgtEl>
+                                          <p:spTgt spid="5"/>
+                                        </p:tgtEl>
+                                        <p:attrNameLst>
+                                          <p:attrName>ppt_x</p:attrName>
+                                        </p:attrNameLst>
+                                      </p:cBhvr>
+                                      <p:tavLst>
+                                        <p:tav tm="0">
+                                          <p:val>
+                                            <p:strVal val="0-#ppt_w/2"/>
+                                          </p:val>
+                                        </p:tav>
+                                        <p:tav tm="100000">
+                                          <p:val>
+                                            <p:strVal val="#ppt_x"/>
+                                          </p:val>
+                                        </p:tav>
+                                      </p:tavLst>
+                                    </p:anim>
+                                    <p:anim calcmode="lin" valueType="num">
+                                      <p:cBhvr additive="base">
+                                        <p:cTn id="12" dur="500" fill="hold"/>
+                                        <p:tgtEl>
+                                          <p:spTgt spid="5"/>
+                                        </p:tgtEl>
+                                        <p:attrNameLst>
+                                          <p:attrName>ppt_y</p:attrName>
+                                        </p:attrNameLst>
+                                      </p:cBhvr>
+                                      <p:tavLst>
+                                        <p:tav tm="0">
+                                          <p:val>
+                                            <p:strVal val="#ppt_y"/>
+                                          </p:val>
+                                        </p:tav>
+                                        <p:tav tm="100000">
+                                          <p:val>
+                                            <p:strVal val="#ppt_y"/>
+                                          </p:val>
+                                        </p:tav>
+                                      </p:tavLst>
+                                    </p:anim>
+                                  </p:childTnLst>
+                                </p:cTn>
+                              </p:par>
+                            </p:childTnLst>
+                          </p:cTn>
+                        </p:par>
+                      </p:childTnLst>
+                    </p:cTn>
+                  </p:par>
+                </p:childTnLst>
+              </p:cTn>
+              <p:prevCondLst>
+                <p:cond evt="onPrev" delay="0">
+                  <p:tgtEl>
+                    <p:sldTgt/>
+                  </p:tgtEl>
+                </p:cond>
+              </p:prevCondLst>
+              <p:nextCondLst>
+                <p:cond evt="onNext" delay="0">
+                  <p:tgtEl>
+                    <p:sldTgt/>
+                  </p:tgtEl>
+                </p:cond>
+              </p:nextCondLst>
+            </p:seq>
+          </p:childTnLst>
+        </p:cTn>
+      </p:par>
+    </p:tnLst>
+    <p:bldLst>
+      <p:bldP spid="5" grpId="0"/>
+    </p:bldLst>
+  </p:timing>
+</p:sld>
+</file>
+
+<file path=ppt/slides/slide12.xml><?xml version="1.0" encoding="utf-8"?>
+<p:sld xmlns:a="http://schemas.openxmlformats.org/drawingml/2006/main" xmlns:r="http://schemas.openxmlformats.org/officeDocument/2006/relationships" xmlns:p="http://schemas.openxmlformats.org/presentationml/2006/main">
+  <p:cSld>
+    <p:spTree>
+      <p:nvGrpSpPr>
+        <p:cNvPr id="1" name=""/>
+        <p:cNvGrpSpPr/>
+        <p:nvPr/>
+      </p:nvGrpSpPr>
+      <p:grpSpPr>
+        <a:xfrm>
+          <a:off x="0" y="0"/>
+          <a:ext cx="0" cy="0"/>
+          <a:chOff x="0" y="0"/>
+          <a:chExt cx="0" cy="0"/>
+        </a:xfrm>
+      </p:grpSpPr>
+      <p:sp>
+        <p:nvSpPr>
+          <p:cNvPr id="4" name="TextBox 3"/>
+          <p:cNvSpPr txBox="1"/>
+          <p:nvPr/>
+        </p:nvSpPr>
+        <p:spPr>
+          <a:xfrm>
+            <a:off x="0" y="2919051"/>
+            <a:ext cx="8976946" cy="1077218"/>
+          </a:xfrm>
+          <a:prstGeom prst="rect">
+            <a:avLst/>
+          </a:prstGeom>
+          <a:noFill/>
+        </p:spPr>
+        <p:txBody>
+          <a:bodyPr wrap="square" rtlCol="0">
+            <a:spAutoFit/>
+          </a:bodyPr>
+          <a:lstStyle/>
+          <a:p>
+            <a:pPr algn="ctr"/>
+            <a:r>
+              <a:rPr lang="ru-RU" sz="3200" dirty="0"/>
+              <a:t>Компьютерная логическая игра – Реверси</a:t>
+            </a:r>
+            <a:br>
+              <a:rPr lang="ru-RU" sz="3200" dirty="0"/>
+            </a:br>
+            <a:r>
+              <a:rPr lang="en-US" sz="3200" dirty="0"/>
+              <a:t>by </a:t>
+            </a:r>
+            <a:r>
+              <a:rPr lang="ru-RU" sz="3200" dirty="0"/>
+              <a:t>Иван </a:t>
+            </a:r>
+            <a:r>
+              <a:rPr lang="ru-RU" sz="3200" dirty="0" err="1"/>
+              <a:t>Коцан</a:t>
+            </a:r>
+            <a:endParaRPr lang="ru-RU" sz="3200" dirty="0"/>
+          </a:p>
+        </p:txBody>
+      </p:sp>
+      <p:sp>
+        <p:nvSpPr>
+          <p:cNvPr id="2" name="TextBox 1"/>
+          <p:cNvSpPr txBox="1"/>
+          <p:nvPr/>
+        </p:nvSpPr>
+        <p:spPr>
+          <a:xfrm>
+            <a:off x="0" y="5029200"/>
+            <a:ext cx="12192000" cy="830997"/>
+          </a:xfrm>
+          <a:prstGeom prst="rect">
+            <a:avLst/>
+          </a:prstGeom>
+          <a:noFill/>
+        </p:spPr>
+        <p:txBody>
+          <a:bodyPr wrap="square" rtlCol="0">
+            <a:spAutoFit/>
+          </a:bodyPr>
+          <a:lstStyle/>
+          <a:p>
+            <a:pPr algn="ctr"/>
+            <a:r>
+              <a:rPr lang="ru-RU" sz="4800" b="1" dirty="0"/>
+              <a:t>Спасибо за внимание!</a:t>
+            </a:r>
+          </a:p>
+        </p:txBody>
+      </p:sp>
+    </p:spTree>
+    <p:extLst>
+      <p:ext uri="{BB962C8B-B14F-4D97-AF65-F5344CB8AC3E}">
+        <p14:creationId xmlns:p14="http://schemas.microsoft.com/office/powerpoint/2010/main" val="3708536367"/>
+      </p:ext>
+    </p:extLst>
+  </p:cSld>
+  <p:clrMapOvr>
+    <a:masterClrMapping/>
+  </p:clrMapOvr>
+  <p:timing>
+    <p:tnLst>
+      <p:par>
+        <p:cTn id="1" dur="indefinite" restart="never" nodeType="tmRoot">
+          <p:childTnLst>
+            <p:seq concurrent="1" nextAc="seek">
+              <p:cTn id="2" dur="indefinite" nodeType="mainSeq">
+                <p:childTnLst>
+                  <p:par>
+                    <p:cTn id="3" fill="hold">
+                      <p:stCondLst>
+                        <p:cond delay="indefinite"/>
+                        <p:cond evt="onBegin" delay="0">
+                          <p:tn val="2"/>
+                        </p:cond>
+                      </p:stCondLst>
+                      <p:childTnLst>
+                        <p:par>
+                          <p:cTn id="4" fill="hold">
+                            <p:stCondLst>
+                              <p:cond delay="0"/>
+                            </p:stCondLst>
+                            <p:childTnLst>
+                              <p:par>
+                                <p:cTn id="5" presetID="45" presetClass="entr" presetSubtype="0" fill="hold" grpId="0" nodeType="withEffect">
+                                  <p:stCondLst>
+                                    <p:cond delay="0"/>
+                                  </p:stCondLst>
+                                  <p:childTnLst>
+                                    <p:set>
+                                      <p:cBhvr>
+                                        <p:cTn id="6" dur="1" fill="hold">
+                                          <p:stCondLst>
+                                            <p:cond delay="0"/>
+                                          </p:stCondLst>
+                                        </p:cTn>
+                                        <p:tgtEl>
+                                          <p:spTgt spid="2"/>
+                                        </p:tgtEl>
+                                        <p:attrNameLst>
+                                          <p:attrName>style.visibility</p:attrName>
+                                        </p:attrNameLst>
+                                      </p:cBhvr>
+                                      <p:to>
+                                        <p:strVal val="visible"/>
+                                      </p:to>
+                                    </p:set>
+                                    <p:animEffect transition="in" filter="fade">
+                                      <p:cBhvr>
+                                        <p:cTn id="7" dur="2000"/>
+                                        <p:tgtEl>
+                                          <p:spTgt spid="2"/>
+                                        </p:tgtEl>
+                                      </p:cBhvr>
+                                    </p:animEffect>
+                                    <p:anim calcmode="lin" valueType="num">
+                                      <p:cBhvr>
+                                        <p:cTn id="8" dur="2000" fill="hold"/>
+                                        <p:tgtEl>
+                                          <p:spTgt spid="2"/>
+                                        </p:tgtEl>
+                                        <p:attrNameLst>
+                                          <p:attrName>ppt_w</p:attrName>
+                                        </p:attrNameLst>
+                                      </p:cBhvr>
+                                      <p:tavLst>
+                                        <p:tav tm="0" fmla="#ppt_w*sin(2.5*pi*$)">
+                                          <p:val>
+                                            <p:fltVal val="0"/>
+                                          </p:val>
+                                        </p:tav>
+                                        <p:tav tm="100000">
+                                          <p:val>
+                                            <p:fltVal val="1"/>
+                                          </p:val>
+                                        </p:tav>
+                                      </p:tavLst>
+                                    </p:anim>
+                                    <p:anim calcmode="lin" valueType="num">
+                                      <p:cBhvr>
+                                        <p:cTn id="9" dur="2000" fill="hold"/>
+                                        <p:tgtEl>
+                                          <p:spTgt spid="2"/>
+                                        </p:tgtEl>
+                                        <p:attrNameLst>
+                                          <p:attrName>ppt_h</p:attrName>
+                                        </p:attrNameLst>
+                                      </p:cBhvr>
+                                      <p:tavLst>
+                                        <p:tav tm="0">
+                                          <p:val>
+                                            <p:strVal val="#ppt_h"/>
+                                          </p:val>
+                                        </p:tav>
+                                        <p:tav tm="100000">
+                                          <p:val>
+                                            <p:strVal val="#ppt_h"/>
+                                          </p:val>
+                                        </p:tav>
+                                      </p:tavLst>
+                                    </p:anim>
+                                  </p:childTnLst>
+                                </p:cTn>
+                              </p:par>
+                            </p:childTnLst>
+                          </p:cTn>
+                        </p:par>
+                      </p:childTnLst>
+                    </p:cTn>
+                  </p:par>
+                </p:childTnLst>
+              </p:cTn>
+              <p:prevCondLst>
+                <p:cond evt="onPrev" delay="0">
+                  <p:tgtEl>
+                    <p:sldTgt/>
+                  </p:tgtEl>
+                </p:cond>
+              </p:prevCondLst>
+              <p:nextCondLst>
+                <p:cond evt="onNext" delay="0">
+                  <p:tgtEl>
+                    <p:sldTgt/>
+                  </p:tgtEl>
+                </p:cond>
+              </p:nextCondLst>
+            </p:seq>
+          </p:childTnLst>
+        </p:cTn>
+      </p:par>
+    </p:tnLst>
+    <p:bldLst>
+      <p:bldP spid="2" grpId="0"/>
+    </p:bldLst>
   </p:timing>
 </p:sld>
 </file>
@@ -7856,10 +8974,9 @@
           <a:p>
             <a:pPr algn="ctr"/>
             <a:r>
-              <a:rPr lang="ru-RU" sz="3200" dirty="0" smtClean="0"/>
+              <a:rPr lang="ru-RU" sz="3200" dirty="0"/>
               <a:t>В чём суть игры Реверси</a:t>
             </a:r>
-            <a:endParaRPr lang="ru-RU" sz="3200" dirty="0"/>
           </a:p>
         </p:txBody>
       </p:sp>
@@ -7887,10 +9004,9 @@
           <a:p>
             <a:pPr algn="ctr"/>
             <a:r>
-              <a:rPr lang="ru-RU" sz="8800" dirty="0" smtClean="0"/>
+              <a:rPr lang="ru-RU" sz="8800" dirty="0"/>
               <a:t>?</a:t>
             </a:r>
-            <a:endParaRPr lang="ru-RU" sz="8800" dirty="0"/>
           </a:p>
         </p:txBody>
       </p:sp>
@@ -7958,58 +9074,26 @@
           <a:lstStyle/>
           <a:p>
             <a:r>
-              <a:rPr lang="ru-RU" dirty="0" smtClean="0"/>
-              <a:t>Игра происходит на </a:t>
-            </a:r>
-            <a:r>
-              <a:rPr lang="ru-RU" dirty="0" smtClean="0"/>
-              <a:t>доске </a:t>
-            </a:r>
-            <a:r>
-              <a:rPr lang="ru-RU" dirty="0" smtClean="0"/>
-              <a:t>доске размером </a:t>
-            </a:r>
-            <a:r>
-              <a:rPr lang="en-US" dirty="0" smtClean="0"/>
+              <a:rPr lang="ru-RU" dirty="0"/>
+              <a:t>Игра происходит на доске доске размером </a:t>
+            </a:r>
+            <a:r>
+              <a:rPr lang="en-US" dirty="0"/>
               <a:t>8x8 </a:t>
             </a:r>
             <a:r>
-              <a:rPr lang="ru-RU" dirty="0" smtClean="0"/>
+              <a:rPr lang="ru-RU" dirty="0"/>
               <a:t>клеток.</a:t>
             </a:r>
             <a:br>
-              <a:rPr lang="ru-RU" dirty="0" smtClean="0"/>
+              <a:rPr lang="ru-RU" dirty="0"/>
             </a:br>
-            <a:r>
-              <a:rPr lang="ru-RU" dirty="0" smtClean="0"/>
-              <a:t/>
-            </a:r>
             <a:br>
-              <a:rPr lang="ru-RU" dirty="0" smtClean="0"/>
+              <a:rPr lang="ru-RU" dirty="0"/>
             </a:br>
             <a:r>
-              <a:rPr lang="ru-RU" dirty="0" smtClean="0"/>
-              <a:t>Начальное расположение шашек: </a:t>
-            </a:r>
-            <a:r>
-              <a:rPr lang="ru-RU" dirty="0" smtClean="0"/>
-              <a:t>4 шашки </a:t>
-            </a:r>
-            <a:r>
-              <a:rPr lang="ru-RU" dirty="0" smtClean="0"/>
-              <a:t>по</a:t>
-            </a:r>
-            <a:r>
-              <a:rPr lang="ru-RU" dirty="0" smtClean="0"/>
-              <a:t> </a:t>
-            </a:r>
-            <a:r>
-              <a:rPr lang="ru-RU" dirty="0" smtClean="0"/>
-              <a:t>середине игрового поля, шашки одного цвета по диагонали</a:t>
-            </a:r>
-            <a:r>
-              <a:rPr lang="ru-RU" dirty="0" smtClean="0"/>
-              <a:t>.</a:t>
+              <a:rPr lang="ru-RU" dirty="0"/>
+              <a:t>Начальное расположение шашек: 4 шашки по середине игрового поля, шашки одного цвета по диагонали.</a:t>
             </a:r>
           </a:p>
           <a:p>
@@ -8017,10 +9101,9 @@
           </a:p>
           <a:p>
             <a:r>
-              <a:rPr lang="ru-RU" dirty="0" smtClean="0"/>
+              <a:rPr lang="ru-RU" dirty="0"/>
               <a:t>Цель игры как можно больше окружить шашек противника.</a:t>
             </a:r>
-            <a:endParaRPr lang="ru-RU" dirty="0" smtClean="0"/>
           </a:p>
           <a:p>
             <a:endParaRPr lang="ru-RU" dirty="0"/>
@@ -8040,14 +9123,6 @@
   <p:clrMapOvr>
     <a:masterClrMapping/>
   </p:clrMapOvr>
-  <mc:AlternateContent xmlns:mc="http://schemas.openxmlformats.org/markup-compatibility/2006">
-    <mc:Choice xmlns:p14="http://schemas.microsoft.com/office/powerpoint/2010/main" Requires="p14">
-      <p:transition p14:dur="0"/>
-    </mc:Choice>
-    <mc:Fallback>
-      <p:transition/>
-    </mc:Fallback>
-  </mc:AlternateContent>
   <p:timing>
     <p:tnLst>
       <p:par>
@@ -8414,14 +9489,13 @@
           <a:p>
             <a:pPr algn="ctr"/>
             <a:r>
-              <a:rPr lang="ru-RU" sz="3200" dirty="0" smtClean="0"/>
+              <a:rPr lang="ru-RU" sz="3200" dirty="0"/>
               <a:t>Реверси</a:t>
             </a:r>
             <a:r>
-              <a:rPr lang="ru-RU" dirty="0" smtClean="0"/>
+              <a:rPr lang="ru-RU" dirty="0"/>
               <a:t> – правила игры</a:t>
             </a:r>
-            <a:endParaRPr lang="ru-RU" dirty="0"/>
           </a:p>
         </p:txBody>
       </p:sp>
@@ -8478,7 +9552,7 @@
           <a:lstStyle/>
           <a:p>
             <a:r>
-              <a:rPr lang="ru-RU" dirty="0" smtClean="0"/>
+              <a:rPr lang="ru-RU" dirty="0"/>
               <a:t>Первый ход делает игрок чёрных шашек.</a:t>
             </a:r>
           </a:p>
@@ -8487,7 +9561,7 @@
           </a:p>
           <a:p>
             <a:r>
-              <a:rPr lang="ru-RU" dirty="0" smtClean="0"/>
+              <a:rPr lang="ru-RU" dirty="0"/>
               <a:t>Шашку необходимо положить таким образом, чтобы между шашкой игрока и стоящей шашкой этого же цвета, находился непрерывный ряд из шашек (1 и более): шашки противника, которые были окружены (по вертикали, горизонтали или диагонали), переворачиваются и становятся шашками игрока, который делал ход.</a:t>
             </a:r>
           </a:p>
@@ -8496,7 +9570,7 @@
           </a:p>
           <a:p>
             <a:r>
-              <a:rPr lang="ru-RU" dirty="0" smtClean="0"/>
+              <a:rPr lang="ru-RU" dirty="0"/>
               <a:t>Игра считается завершённой, когда на поле расположены все 64 шашки, или когда ни один из игроков не может сделать ход.</a:t>
             </a:r>
           </a:p>
@@ -8505,7 +9579,7 @@
           </a:p>
           <a:p>
             <a:r>
-              <a:rPr lang="ru-RU" dirty="0" smtClean="0"/>
+              <a:rPr lang="ru-RU" dirty="0"/>
               <a:t>Победителем считается игрок, у которого больше шашек на игровом поле в конце игры. Если количество шашек одинаковое, то объявляется ничья.</a:t>
             </a:r>
           </a:p>
@@ -8698,6 +9772,415 @@
       </p:grpSpPr>
       <p:sp>
         <p:nvSpPr>
+          <p:cNvPr id="2" name="Заголовок 1">
+            <a:extLst>
+              <a:ext uri="{FF2B5EF4-FFF2-40B4-BE49-F238E27FC236}">
+                <a16:creationId xmlns:a16="http://schemas.microsoft.com/office/drawing/2014/main" id="{04B89D57-5884-4DEC-B66A-3154EDE49B66}"/>
+              </a:ext>
+            </a:extLst>
+          </p:cNvPr>
+          <p:cNvSpPr>
+            <a:spLocks noGrp="1"/>
+          </p:cNvSpPr>
+          <p:nvPr>
+            <p:ph type="title"/>
+          </p:nvPr>
+        </p:nvSpPr>
+        <p:spPr/>
+        <p:txBody>
+          <a:bodyPr/>
+          <a:lstStyle/>
+          <a:p>
+            <a:pPr algn="ctr"/>
+            <a:r>
+              <a:rPr lang="ru-RU" dirty="0"/>
+              <a:t>Постановка и суть задачи</a:t>
+            </a:r>
+          </a:p>
+        </p:txBody>
+      </p:sp>
+      <p:sp>
+        <p:nvSpPr>
+          <p:cNvPr id="3" name="Объект 2">
+            <a:extLst>
+              <a:ext uri="{FF2B5EF4-FFF2-40B4-BE49-F238E27FC236}">
+                <a16:creationId xmlns:a16="http://schemas.microsoft.com/office/drawing/2014/main" id="{CE5F3639-D8FC-4D98-8BF6-63A7956479B3}"/>
+              </a:ext>
+            </a:extLst>
+          </p:cNvPr>
+          <p:cNvSpPr>
+            <a:spLocks noGrp="1"/>
+          </p:cNvSpPr>
+          <p:nvPr>
+            <p:ph idx="1"/>
+          </p:nvPr>
+        </p:nvSpPr>
+        <p:spPr/>
+        <p:txBody>
+          <a:bodyPr/>
+          <a:lstStyle/>
+          <a:p>
+            <a:pPr marL="0" indent="0">
+              <a:buNone/>
+            </a:pPr>
+            <a:r>
+              <a:rPr lang="ru-RU" sz="3200" b="1" dirty="0"/>
+              <a:t>Основное задание: </a:t>
+            </a:r>
+            <a:r>
+              <a:rPr lang="ru-RU" sz="3200" dirty="0"/>
+              <a:t>разработать компьютерную игру Реверси.</a:t>
+            </a:r>
+          </a:p>
+          <a:p>
+            <a:pPr marL="0" indent="0">
+              <a:buNone/>
+            </a:pPr>
+            <a:endParaRPr lang="ru-RU" sz="3200" b="1" dirty="0"/>
+          </a:p>
+          <a:p>
+            <a:pPr marL="0" indent="0">
+              <a:buNone/>
+            </a:pPr>
+            <a:endParaRPr lang="ru-RU" sz="3200" b="1" dirty="0"/>
+          </a:p>
+          <a:p>
+            <a:pPr marL="0" indent="0">
+              <a:buNone/>
+            </a:pPr>
+            <a:r>
+              <a:rPr lang="ru-RU" sz="3200" b="1" dirty="0"/>
+              <a:t>Суть: </a:t>
+            </a:r>
+            <a:r>
+              <a:rPr lang="ru-RU" sz="3200" dirty="0"/>
+              <a:t>необходимо разработать приложение на языке </a:t>
+            </a:r>
+            <a:r>
+              <a:rPr lang="en-US" sz="3200" dirty="0"/>
+              <a:t>Python, </a:t>
+            </a:r>
+            <a:r>
+              <a:rPr lang="ru-RU" sz="3200" dirty="0"/>
+              <a:t>которое представляет собой настольную игру Реверси.</a:t>
+            </a:r>
+          </a:p>
+          <a:p>
+            <a:pPr marL="0" indent="0">
+              <a:buNone/>
+            </a:pPr>
+            <a:endParaRPr lang="ru-RU" dirty="0"/>
+          </a:p>
+        </p:txBody>
+      </p:sp>
+    </p:spTree>
+    <p:extLst>
+      <p:ext uri="{BB962C8B-B14F-4D97-AF65-F5344CB8AC3E}">
+        <p14:creationId xmlns:p14="http://schemas.microsoft.com/office/powerpoint/2010/main" val="3154683437"/>
+      </p:ext>
+    </p:extLst>
+  </p:cSld>
+  <p:clrMapOvr>
+    <a:masterClrMapping/>
+  </p:clrMapOvr>
+</p:sld>
+</file>
+
+<file path=ppt/slides/slide5.xml><?xml version="1.0" encoding="utf-8"?>
+<p:sld xmlns:a="http://schemas.openxmlformats.org/drawingml/2006/main" xmlns:r="http://schemas.openxmlformats.org/officeDocument/2006/relationships" xmlns:p="http://schemas.openxmlformats.org/presentationml/2006/main">
+  <p:cSld>
+    <p:spTree>
+      <p:nvGrpSpPr>
+        <p:cNvPr id="1" name=""/>
+        <p:cNvGrpSpPr/>
+        <p:nvPr/>
+      </p:nvGrpSpPr>
+      <p:grpSpPr>
+        <a:xfrm>
+          <a:off x="0" y="0"/>
+          <a:ext cx="0" cy="0"/>
+          <a:chOff x="0" y="0"/>
+          <a:chExt cx="0" cy="0"/>
+        </a:xfrm>
+      </p:grpSpPr>
+      <p:sp>
+        <p:nvSpPr>
+          <p:cNvPr id="2" name="Заголовок 1">
+            <a:extLst>
+              <a:ext uri="{FF2B5EF4-FFF2-40B4-BE49-F238E27FC236}">
+                <a16:creationId xmlns:a16="http://schemas.microsoft.com/office/drawing/2014/main" id="{6E1F5CB4-890E-495C-B0DD-2942BA336481}"/>
+              </a:ext>
+            </a:extLst>
+          </p:cNvPr>
+          <p:cNvSpPr>
+            <a:spLocks noGrp="1"/>
+          </p:cNvSpPr>
+          <p:nvPr>
+            <p:ph type="title"/>
+          </p:nvPr>
+        </p:nvSpPr>
+        <p:spPr/>
+        <p:txBody>
+          <a:bodyPr/>
+          <a:lstStyle/>
+          <a:p>
+            <a:pPr algn="ctr"/>
+            <a:r>
+              <a:rPr lang="ru-RU" dirty="0"/>
+              <a:t>Архитектура и алгоритмы</a:t>
+            </a:r>
+          </a:p>
+        </p:txBody>
+      </p:sp>
+      <p:sp>
+        <p:nvSpPr>
+          <p:cNvPr id="3" name="Объект 2">
+            <a:extLst>
+              <a:ext uri="{FF2B5EF4-FFF2-40B4-BE49-F238E27FC236}">
+                <a16:creationId xmlns:a16="http://schemas.microsoft.com/office/drawing/2014/main" id="{02352579-BE29-4932-AA1F-689B5F752C74}"/>
+              </a:ext>
+            </a:extLst>
+          </p:cNvPr>
+          <p:cNvSpPr>
+            <a:spLocks noGrp="1"/>
+          </p:cNvSpPr>
+          <p:nvPr>
+            <p:ph idx="1"/>
+          </p:nvPr>
+        </p:nvSpPr>
+        <p:spPr/>
+        <p:txBody>
+          <a:bodyPr>
+            <a:normAutofit/>
+          </a:bodyPr>
+          <a:lstStyle/>
+          <a:p>
+            <a:pPr marL="0" indent="0">
+              <a:buNone/>
+            </a:pPr>
+            <a:r>
+              <a:rPr lang="ru-RU" sz="2800" b="1" dirty="0"/>
+              <a:t>Класс </a:t>
+            </a:r>
+            <a:r>
+              <a:rPr lang="en-US" sz="2800" b="1" dirty="0"/>
+              <a:t>Authorization</a:t>
+            </a:r>
+            <a:r>
+              <a:rPr lang="ru-RU" sz="2800" b="1" dirty="0"/>
+              <a:t>: </a:t>
+            </a:r>
+            <a:r>
+              <a:rPr lang="ru-RU" sz="2800" dirty="0"/>
+              <a:t>с помощью этого класса происходит отображение окна авторизации</a:t>
+            </a:r>
+            <a:r>
+              <a:rPr lang="en-US" sz="2800" dirty="0"/>
+              <a:t>/</a:t>
+            </a:r>
+            <a:r>
+              <a:rPr lang="ru-RU" sz="2800" dirty="0"/>
+              <a:t>регистрации, проверка введённых данных в полях ввода, создание аккаунта и проверка созданного аккаунта.</a:t>
+            </a:r>
+            <a:endParaRPr lang="ru-RU" sz="2800" b="1" dirty="0"/>
+          </a:p>
+        </p:txBody>
+      </p:sp>
+    </p:spTree>
+    <p:extLst>
+      <p:ext uri="{BB962C8B-B14F-4D97-AF65-F5344CB8AC3E}">
+        <p14:creationId xmlns:p14="http://schemas.microsoft.com/office/powerpoint/2010/main" val="3130770144"/>
+      </p:ext>
+    </p:extLst>
+  </p:cSld>
+  <p:clrMapOvr>
+    <a:masterClrMapping/>
+  </p:clrMapOvr>
+</p:sld>
+</file>
+
+<file path=ppt/slides/slide6.xml><?xml version="1.0" encoding="utf-8"?>
+<p:sld xmlns:a="http://schemas.openxmlformats.org/drawingml/2006/main" xmlns:r="http://schemas.openxmlformats.org/officeDocument/2006/relationships" xmlns:p="http://schemas.openxmlformats.org/presentationml/2006/main">
+  <p:cSld>
+    <p:spTree>
+      <p:nvGrpSpPr>
+        <p:cNvPr id="1" name=""/>
+        <p:cNvGrpSpPr/>
+        <p:nvPr/>
+      </p:nvGrpSpPr>
+      <p:grpSpPr>
+        <a:xfrm>
+          <a:off x="0" y="0"/>
+          <a:ext cx="0" cy="0"/>
+          <a:chOff x="0" y="0"/>
+          <a:chExt cx="0" cy="0"/>
+        </a:xfrm>
+      </p:grpSpPr>
+      <p:sp>
+        <p:nvSpPr>
+          <p:cNvPr id="2" name="Заголовок 1">
+            <a:extLst>
+              <a:ext uri="{FF2B5EF4-FFF2-40B4-BE49-F238E27FC236}">
+                <a16:creationId xmlns:a16="http://schemas.microsoft.com/office/drawing/2014/main" id="{AC7D842D-52AD-4C5D-A1DF-5C0A3139D3E3}"/>
+              </a:ext>
+            </a:extLst>
+          </p:cNvPr>
+          <p:cNvSpPr>
+            <a:spLocks noGrp="1"/>
+          </p:cNvSpPr>
+          <p:nvPr>
+            <p:ph type="title"/>
+          </p:nvPr>
+        </p:nvSpPr>
+        <p:spPr/>
+        <p:txBody>
+          <a:bodyPr/>
+          <a:lstStyle/>
+          <a:p>
+            <a:pPr algn="ctr"/>
+            <a:r>
+              <a:rPr lang="ru-RU" dirty="0"/>
+              <a:t>Архитектура и алгоритмы</a:t>
+            </a:r>
+          </a:p>
+        </p:txBody>
+      </p:sp>
+      <p:sp>
+        <p:nvSpPr>
+          <p:cNvPr id="3" name="Объект 2">
+            <a:extLst>
+              <a:ext uri="{FF2B5EF4-FFF2-40B4-BE49-F238E27FC236}">
+                <a16:creationId xmlns:a16="http://schemas.microsoft.com/office/drawing/2014/main" id="{A0DC1DF9-FF1B-429F-BF70-4EB259D0DFFE}"/>
+              </a:ext>
+            </a:extLst>
+          </p:cNvPr>
+          <p:cNvSpPr>
+            <a:spLocks noGrp="1"/>
+          </p:cNvSpPr>
+          <p:nvPr>
+            <p:ph idx="1"/>
+          </p:nvPr>
+        </p:nvSpPr>
+        <p:spPr/>
+        <p:txBody>
+          <a:bodyPr>
+            <a:normAutofit lnSpcReduction="10000"/>
+          </a:bodyPr>
+          <a:lstStyle/>
+          <a:p>
+            <a:pPr marL="0" indent="0">
+              <a:buNone/>
+            </a:pPr>
+            <a:r>
+              <a:rPr lang="ru-RU" b="1" dirty="0"/>
+              <a:t>Класс </a:t>
+            </a:r>
+            <a:r>
+              <a:rPr lang="en-US" b="1" dirty="0" err="1"/>
+              <a:t>ReversiGame</a:t>
+            </a:r>
+            <a:r>
+              <a:rPr lang="en-US" b="1" dirty="0"/>
+              <a:t>.</a:t>
+            </a:r>
+            <a:endParaRPr lang="ru-RU" b="1" dirty="0"/>
+          </a:p>
+          <a:p>
+            <a:pPr marL="0" indent="0">
+              <a:buNone/>
+            </a:pPr>
+            <a:r>
+              <a:rPr lang="ru-RU" b="1" dirty="0"/>
+              <a:t>Методы:</a:t>
+            </a:r>
+            <a:r>
+              <a:rPr lang="ru-RU" dirty="0"/>
+              <a:t> </a:t>
+            </a:r>
+            <a:endParaRPr lang="en-US" dirty="0"/>
+          </a:p>
+          <a:p>
+            <a:r>
+              <a:rPr lang="en-US" dirty="0" err="1"/>
+              <a:t>init</a:t>
+            </a:r>
+            <a:endParaRPr lang="en-US" dirty="0"/>
+          </a:p>
+          <a:p>
+            <a:r>
+              <a:rPr lang="en-US" dirty="0" err="1"/>
+              <a:t>new_game</a:t>
+            </a:r>
+            <a:endParaRPr lang="en-US" dirty="0"/>
+          </a:p>
+          <a:p>
+            <a:r>
+              <a:rPr lang="en-US" dirty="0" err="1"/>
+              <a:t>draw_board</a:t>
+            </a:r>
+            <a:endParaRPr lang="en-US" dirty="0"/>
+          </a:p>
+          <a:p>
+            <a:r>
+              <a:rPr lang="en-US" dirty="0" err="1"/>
+              <a:t>on_click</a:t>
+            </a:r>
+            <a:endParaRPr lang="en-US" dirty="0"/>
+          </a:p>
+          <a:p>
+            <a:r>
+              <a:rPr lang="en-US" dirty="0" err="1"/>
+              <a:t>is_valid_move</a:t>
+            </a:r>
+            <a:endParaRPr lang="en-US" dirty="0"/>
+          </a:p>
+          <a:p>
+            <a:r>
+              <a:rPr lang="en-US" dirty="0" err="1"/>
+              <a:t>make_move</a:t>
+            </a:r>
+            <a:endParaRPr lang="en-US" dirty="0"/>
+          </a:p>
+          <a:p>
+            <a:pPr marL="0" indent="0">
+              <a:buNone/>
+            </a:pPr>
+            <a:endParaRPr lang="ru-RU" b="1" dirty="0"/>
+          </a:p>
+        </p:txBody>
+      </p:sp>
+    </p:spTree>
+    <p:extLst>
+      <p:ext uri="{BB962C8B-B14F-4D97-AF65-F5344CB8AC3E}">
+        <p14:creationId xmlns:p14="http://schemas.microsoft.com/office/powerpoint/2010/main" val="3366027696"/>
+      </p:ext>
+    </p:extLst>
+  </p:cSld>
+  <p:clrMapOvr>
+    <a:masterClrMapping/>
+  </p:clrMapOvr>
+</p:sld>
+</file>
+
+<file path=ppt/slides/slide7.xml><?xml version="1.0" encoding="utf-8"?>
+<p:sld xmlns:a="http://schemas.openxmlformats.org/drawingml/2006/main" xmlns:r="http://schemas.openxmlformats.org/officeDocument/2006/relationships" xmlns:p="http://schemas.openxmlformats.org/presentationml/2006/main">
+  <p:cSld>
+    <p:spTree>
+      <p:nvGrpSpPr>
+        <p:cNvPr id="1" name=""/>
+        <p:cNvGrpSpPr/>
+        <p:nvPr/>
+      </p:nvGrpSpPr>
+      <p:grpSpPr>
+        <a:xfrm>
+          <a:off x="0" y="0"/>
+          <a:ext cx="0" cy="0"/>
+          <a:chOff x="0" y="0"/>
+          <a:chExt cx="0" cy="0"/>
+        </a:xfrm>
+      </p:grpSpPr>
+      <p:sp>
+        <p:nvSpPr>
           <p:cNvPr id="2" name="Заголовок 1"/>
           <p:cNvSpPr>
             <a:spLocks noGrp="1"/>
@@ -8715,17 +10198,16 @@
           <a:p>
             <a:pPr algn="ctr"/>
             <a:r>
-              <a:rPr lang="ru-RU" sz="3200" dirty="0" smtClean="0"/>
+              <a:rPr lang="ru-RU" sz="3200" dirty="0"/>
               <a:t>Как игру видит пользователь</a:t>
             </a:r>
             <a:br>
-              <a:rPr lang="ru-RU" sz="3200" dirty="0" smtClean="0"/>
+              <a:rPr lang="ru-RU" sz="3200" dirty="0"/>
             </a:br>
             <a:r>
-              <a:rPr lang="ru-RU" sz="3200" b="1" dirty="0" smtClean="0"/>
+              <a:rPr lang="ru-RU" sz="3200" b="1" dirty="0"/>
               <a:t>Запуск приложения</a:t>
             </a:r>
-            <a:endParaRPr lang="ru-RU" sz="3200" b="1" dirty="0"/>
           </a:p>
         </p:txBody>
       </p:sp>
@@ -8753,10 +10235,9 @@
           <a:p>
             <a:pPr algn="ctr"/>
             <a:r>
-              <a:rPr lang="ru-RU" sz="8800" dirty="0" smtClean="0"/>
+              <a:rPr lang="ru-RU" sz="8800" dirty="0"/>
               <a:t>?</a:t>
             </a:r>
-            <a:endParaRPr lang="ru-RU" sz="8800" dirty="0"/>
           </a:p>
         </p:txBody>
       </p:sp>
@@ -8807,15 +10288,15 @@
           <a:lstStyle/>
           <a:p>
             <a:r>
-              <a:rPr lang="ru-RU" dirty="0" smtClean="0"/>
+              <a:rPr lang="ru-RU" dirty="0"/>
               <a:t>После запуска приложения появляется окно авторизации</a:t>
             </a:r>
             <a:r>
-              <a:rPr lang="en-US" dirty="0" smtClean="0"/>
+              <a:rPr lang="en-US" dirty="0"/>
               <a:t>/</a:t>
             </a:r>
             <a:r>
-              <a:rPr lang="ru-RU" dirty="0" smtClean="0"/>
+              <a:rPr lang="ru-RU" dirty="0"/>
               <a:t>регистрации.</a:t>
             </a:r>
           </a:p>
@@ -8824,22 +10305,22 @@
           </a:p>
           <a:p>
             <a:r>
-              <a:rPr lang="ru-RU" dirty="0" smtClean="0"/>
+              <a:rPr lang="ru-RU" dirty="0"/>
               <a:t>Если пользователь запускает приложение впервые, то ему необходимо пройти процедуру регистрации. Для этого ему нужно придумать имя и пароль и ввести эти значения в поля ввода.</a:t>
             </a:r>
             <a:br>
-              <a:rPr lang="ru-RU" dirty="0" smtClean="0"/>
+              <a:rPr lang="ru-RU" dirty="0"/>
             </a:br>
             <a:r>
-              <a:rPr lang="ru-RU" dirty="0" smtClean="0"/>
+              <a:rPr lang="ru-RU" dirty="0"/>
               <a:t>Затем нужно нажать кнопку «Регистрация</a:t>
             </a:r>
             <a:r>
-              <a:rPr lang="en-US" dirty="0" smtClean="0"/>
+              <a:rPr lang="en-US" dirty="0"/>
               <a:t>/</a:t>
             </a:r>
             <a:r>
-              <a:rPr lang="ru-RU" dirty="0" smtClean="0"/>
+              <a:rPr lang="ru-RU" dirty="0"/>
               <a:t>авторизация».</a:t>
             </a:r>
           </a:p>
@@ -8848,15 +10329,15 @@
           </a:p>
           <a:p>
             <a:r>
-              <a:rPr lang="ru-RU" dirty="0" smtClean="0"/>
+              <a:rPr lang="ru-RU" dirty="0"/>
               <a:t>Если пользователь уже зарегистрирован, то ему надо ввести ранее придуманные имя и пароль, и также нажать кнопку «Регистрация</a:t>
             </a:r>
             <a:r>
-              <a:rPr lang="en-US" dirty="0" smtClean="0"/>
+              <a:rPr lang="en-US" dirty="0"/>
               <a:t>/</a:t>
             </a:r>
             <a:r>
-              <a:rPr lang="ru-RU" dirty="0" smtClean="0"/>
+              <a:rPr lang="ru-RU" dirty="0"/>
               <a:t>авторизация».</a:t>
             </a:r>
           </a:p>
@@ -9190,7 +10671,7 @@
 </p:sld>
 </file>
 
-<file path=ppt/slides/slide5.xml><?xml version="1.0" encoding="utf-8"?>
+<file path=ppt/slides/slide8.xml><?xml version="1.0" encoding="utf-8"?>
 <p:sld xmlns:a="http://schemas.openxmlformats.org/drawingml/2006/main" xmlns:r="http://schemas.openxmlformats.org/officeDocument/2006/relationships" xmlns:p="http://schemas.openxmlformats.org/presentationml/2006/main">
   <p:cSld>
     <p:spTree>
@@ -9226,17 +10707,16 @@
           <a:p>
             <a:pPr algn="ctr"/>
             <a:r>
-              <a:rPr lang="ru-RU" sz="3200" dirty="0" smtClean="0"/>
+              <a:rPr lang="ru-RU" sz="3200" dirty="0"/>
               <a:t>Как игру видит пользователь</a:t>
             </a:r>
             <a:br>
-              <a:rPr lang="ru-RU" sz="3200" dirty="0" smtClean="0"/>
+              <a:rPr lang="ru-RU" sz="3200" dirty="0"/>
             </a:br>
             <a:r>
-              <a:rPr lang="ru-RU" sz="3200" b="1" dirty="0" smtClean="0"/>
+              <a:rPr lang="ru-RU" sz="3200" b="1" dirty="0"/>
               <a:t>Авторизация в приложении</a:t>
             </a:r>
-            <a:endParaRPr lang="ru-RU" sz="3200" b="1" dirty="0"/>
           </a:p>
         </p:txBody>
       </p:sp>
@@ -9264,10 +10744,9 @@
           <a:p>
             <a:pPr algn="ctr"/>
             <a:r>
-              <a:rPr lang="ru-RU" sz="8800" dirty="0" smtClean="0"/>
+              <a:rPr lang="ru-RU" sz="8800" dirty="0"/>
               <a:t>?</a:t>
             </a:r>
-            <a:endParaRPr lang="ru-RU" sz="8800" dirty="0"/>
           </a:p>
         </p:txBody>
       </p:sp>
@@ -9297,7 +10776,6 @@
               <a:rPr lang="ru-RU" dirty="0"/>
               <a:t>При вводе происходят проверки: </a:t>
             </a:r>
-            <a:endParaRPr lang="ru-RU" dirty="0" smtClean="0"/>
           </a:p>
           <a:p>
             <a:endParaRPr lang="ru-RU" dirty="0"/>
@@ -9308,16 +10786,8 @@
               <a:buChar char="-"/>
             </a:pPr>
             <a:r>
-              <a:rPr lang="ru-RU" dirty="0" smtClean="0"/>
-              <a:t>не </a:t>
-            </a:r>
-            <a:r>
               <a:rPr lang="ru-RU" dirty="0"/>
-              <a:t>оставил ли пользователь пустыми поля </a:t>
-            </a:r>
-            <a:r>
-              <a:rPr lang="ru-RU" dirty="0" smtClean="0"/>
-              <a:t>ввода</a:t>
+              <a:t>не оставил ли пользователь пустыми поля ввода</a:t>
             </a:r>
             <a:endParaRPr lang="en-US" dirty="0"/>
           </a:p>
@@ -9326,7 +10796,7 @@
               <a:buFontTx/>
               <a:buChar char="-"/>
             </a:pPr>
-            <a:endParaRPr lang="en-US" dirty="0" smtClean="0">
+            <a:endParaRPr lang="en-US" dirty="0">
               <a:effectLst/>
             </a:endParaRPr>
           </a:p>
@@ -9342,7 +10812,7 @@
               <a:buFontTx/>
               <a:buChar char="-"/>
             </a:pPr>
-            <a:endParaRPr lang="en-US" dirty="0" smtClean="0">
+            <a:endParaRPr lang="en-US" dirty="0">
               <a:effectLst/>
             </a:endParaRPr>
           </a:p>
@@ -9351,14 +10821,14 @@
               <a:buFontTx/>
               <a:buChar char="-"/>
             </a:pPr>
-            <a:endParaRPr lang="en-US" dirty="0" smtClean="0"/>
+            <a:endParaRPr lang="en-US" dirty="0"/>
           </a:p>
           <a:p>
             <a:pPr marL="285750" indent="-285750">
               <a:buFontTx/>
               <a:buChar char="-"/>
             </a:pPr>
-            <a:endParaRPr lang="ru-RU" dirty="0" smtClean="0">
+            <a:endParaRPr lang="ru-RU" dirty="0">
               <a:effectLst/>
             </a:endParaRPr>
           </a:p>
@@ -9374,7 +10844,7 @@
               <a:buFontTx/>
               <a:buChar char="-"/>
             </a:pPr>
-            <a:endParaRPr lang="ru-RU" dirty="0" smtClean="0">
+            <a:endParaRPr lang="ru-RU" dirty="0">
               <a:effectLst/>
             </a:endParaRPr>
           </a:p>
@@ -9391,14 +10861,11 @@
               <a:buChar char="-"/>
             </a:pPr>
             <a:r>
-              <a:rPr lang="ru-RU" dirty="0" smtClean="0">
+              <a:rPr lang="ru-RU" dirty="0">
                 <a:effectLst/>
               </a:rPr>
               <a:t>если введённое имя уже было зарегистрировано, а пользователь ввёл неверный пароль</a:t>
             </a:r>
-            <a:endParaRPr lang="ru-RU" dirty="0">
-              <a:effectLst/>
-            </a:endParaRPr>
           </a:p>
         </p:txBody>
       </p:sp>
@@ -9998,7 +11465,7 @@
 </p:sld>
 </file>
 
-<file path=ppt/slides/slide6.xml><?xml version="1.0" encoding="utf-8"?>
+<file path=ppt/slides/slide9.xml><?xml version="1.0" encoding="utf-8"?>
 <p:sld xmlns:a="http://schemas.openxmlformats.org/drawingml/2006/main" xmlns:r="http://schemas.openxmlformats.org/officeDocument/2006/relationships" xmlns:p="http://schemas.openxmlformats.org/presentationml/2006/main">
   <p:cSld>
     <p:spTree>
@@ -10034,17 +11501,16 @@
           <a:p>
             <a:pPr algn="ctr"/>
             <a:r>
-              <a:rPr lang="ru-RU" sz="3200" dirty="0" smtClean="0"/>
+              <a:rPr lang="ru-RU" sz="3200" dirty="0"/>
               <a:t>Как игру видит пользователь</a:t>
             </a:r>
             <a:br>
-              <a:rPr lang="ru-RU" sz="3200" dirty="0" smtClean="0"/>
+              <a:rPr lang="ru-RU" sz="3200" dirty="0"/>
             </a:br>
             <a:r>
-              <a:rPr lang="ru-RU" sz="3200" b="1" dirty="0" smtClean="0"/>
+              <a:rPr lang="ru-RU" sz="3200" b="1" dirty="0"/>
               <a:t>Главное окно приложения</a:t>
             </a:r>
-            <a:endParaRPr lang="ru-RU" sz="3200" b="1" dirty="0"/>
           </a:p>
         </p:txBody>
       </p:sp>
@@ -10072,10 +11538,9 @@
           <a:p>
             <a:pPr algn="ctr"/>
             <a:r>
-              <a:rPr lang="ru-RU" sz="8800" dirty="0" smtClean="0"/>
+              <a:rPr lang="ru-RU" sz="8800" dirty="0"/>
               <a:t>?</a:t>
             </a:r>
-            <a:endParaRPr lang="ru-RU" sz="8800" dirty="0"/>
           </a:p>
         </p:txBody>
       </p:sp>
@@ -10126,15 +11591,15 @@
           <a:lstStyle/>
           <a:p>
             <a:r>
-              <a:rPr lang="ru-RU" dirty="0" smtClean="0"/>
+              <a:rPr lang="ru-RU" dirty="0"/>
               <a:t>После прохождения процедуры авторизации</a:t>
             </a:r>
             <a:r>
-              <a:rPr lang="en-US" dirty="0" smtClean="0"/>
+              <a:rPr lang="en-US" dirty="0"/>
               <a:t>/</a:t>
             </a:r>
             <a:r>
-              <a:rPr lang="ru-RU" dirty="0" smtClean="0"/>
+              <a:rPr lang="ru-RU" dirty="0"/>
               <a:t>регистрации у пользователя появляется главное окно приложения, на котором расположены:</a:t>
             </a:r>
           </a:p>
@@ -10146,15 +11611,9 @@
               <a:buAutoNum type="arabicParenR"/>
             </a:pPr>
             <a:r>
-              <a:rPr lang="ru-RU" dirty="0" smtClean="0"/>
+              <a:rPr lang="ru-RU" dirty="0"/>
               <a:t>Игровое поле</a:t>
             </a:r>
-          </a:p>
-          <a:p>
-            <a:pPr marL="342900" indent="-342900">
-              <a:buAutoNum type="arabicParenR"/>
-            </a:pPr>
-            <a:endParaRPr lang="ru-RU" dirty="0" smtClean="0"/>
           </a:p>
           <a:p>
             <a:pPr marL="342900" indent="-342900">
@@ -10166,16 +11625,16 @@
             <a:pPr marL="342900" indent="-342900">
               <a:buAutoNum type="arabicParenR"/>
             </a:pPr>
-            <a:r>
-              <a:rPr lang="ru-RU" dirty="0" smtClean="0"/>
-              <a:t>Текущий счёт (под игровым полем)</a:t>
-            </a:r>
+            <a:endParaRPr lang="ru-RU" dirty="0"/>
           </a:p>
           <a:p>
             <a:pPr marL="342900" indent="-342900">
               <a:buAutoNum type="arabicParenR"/>
             </a:pPr>
-            <a:endParaRPr lang="ru-RU" dirty="0" smtClean="0"/>
+            <a:r>
+              <a:rPr lang="ru-RU" dirty="0"/>
+              <a:t>Текущий счёт (под игровым полем)</a:t>
+            </a:r>
           </a:p>
           <a:p>
             <a:pPr marL="342900" indent="-342900">
@@ -10187,16 +11646,16 @@
             <a:pPr marL="342900" indent="-342900">
               <a:buAutoNum type="arabicParenR"/>
             </a:pPr>
-            <a:r>
-              <a:rPr lang="ru-RU" dirty="0" smtClean="0"/>
-              <a:t>Подсказка по игре</a:t>
-            </a:r>
+            <a:endParaRPr lang="ru-RU" dirty="0"/>
           </a:p>
           <a:p>
             <a:pPr marL="342900" indent="-342900">
               <a:buAutoNum type="arabicParenR"/>
             </a:pPr>
-            <a:endParaRPr lang="ru-RU" dirty="0" smtClean="0"/>
+            <a:r>
+              <a:rPr lang="ru-RU" dirty="0"/>
+              <a:t>Подсказка по игре</a:t>
+            </a:r>
           </a:p>
           <a:p>
             <a:pPr marL="342900" indent="-342900">
@@ -10208,16 +11667,22 @@
             <a:pPr marL="342900" indent="-342900">
               <a:buAutoNum type="arabicParenR"/>
             </a:pPr>
-            <a:r>
-              <a:rPr lang="ru-RU" dirty="0" smtClean="0"/>
-              <a:t>Кнопка начала новой игры</a:t>
-            </a:r>
+            <a:endParaRPr lang="ru-RU" dirty="0"/>
           </a:p>
           <a:p>
             <a:pPr marL="342900" indent="-342900">
               <a:buAutoNum type="arabicParenR"/>
             </a:pPr>
-            <a:endParaRPr lang="ru-RU" dirty="0" smtClean="0"/>
+            <a:r>
+              <a:rPr lang="ru-RU" dirty="0"/>
+              <a:t>Кнопка начала новой игры</a:t>
+            </a:r>
+          </a:p>
+          <a:p>
+            <a:pPr marL="342900" indent="-342900">
+              <a:buAutoNum type="arabicParenR"/>
+            </a:pPr>
+            <a:endParaRPr lang="ru-RU" dirty="0"/>
           </a:p>
         </p:txBody>
       </p:sp>
@@ -10599,1140 +12064,6 @@
 </p:sld>
 </file>
 
-<file path=ppt/slides/slide7.xml><?xml version="1.0" encoding="utf-8"?>
-<p:sld xmlns:a="http://schemas.openxmlformats.org/drawingml/2006/main" xmlns:r="http://schemas.openxmlformats.org/officeDocument/2006/relationships" xmlns:p="http://schemas.openxmlformats.org/presentationml/2006/main">
-  <p:cSld>
-    <p:spTree>
-      <p:nvGrpSpPr>
-        <p:cNvPr id="1" name=""/>
-        <p:cNvGrpSpPr/>
-        <p:nvPr/>
-      </p:nvGrpSpPr>
-      <p:grpSpPr>
-        <a:xfrm>
-          <a:off x="0" y="0"/>
-          <a:ext cx="0" cy="0"/>
-          <a:chOff x="0" y="0"/>
-          <a:chExt cx="0" cy="0"/>
-        </a:xfrm>
-      </p:grpSpPr>
-      <p:sp>
-        <p:nvSpPr>
-          <p:cNvPr id="2" name="Заголовок 1"/>
-          <p:cNvSpPr>
-            <a:spLocks noGrp="1"/>
-          </p:cNvSpPr>
-          <p:nvPr>
-            <p:ph type="title"/>
-          </p:nvPr>
-        </p:nvSpPr>
-        <p:spPr/>
-        <p:txBody>
-          <a:bodyPr>
-            <a:normAutofit/>
-          </a:bodyPr>
-          <a:lstStyle/>
-          <a:p>
-            <a:pPr algn="ctr"/>
-            <a:r>
-              <a:rPr lang="ru-RU" sz="3200" dirty="0" smtClean="0"/>
-              <a:t>Как игру видит пользователь</a:t>
-            </a:r>
-            <a:br>
-              <a:rPr lang="ru-RU" sz="3200" dirty="0" smtClean="0"/>
-            </a:br>
-            <a:r>
-              <a:rPr lang="ru-RU" sz="3200" b="1" dirty="0" smtClean="0"/>
-              <a:t>Процесс игры</a:t>
-            </a:r>
-            <a:endParaRPr lang="ru-RU" sz="3200" b="1" dirty="0"/>
-          </a:p>
-        </p:txBody>
-      </p:sp>
-      <p:sp>
-        <p:nvSpPr>
-          <p:cNvPr id="4" name="TextBox 3"/>
-          <p:cNvSpPr txBox="1"/>
-          <p:nvPr/>
-        </p:nvSpPr>
-        <p:spPr>
-          <a:xfrm>
-            <a:off x="10577146" y="536336"/>
-            <a:ext cx="1614854" cy="1446550"/>
-          </a:xfrm>
-          <a:prstGeom prst="rect">
-            <a:avLst/>
-          </a:prstGeom>
-          <a:noFill/>
-        </p:spPr>
-        <p:txBody>
-          <a:bodyPr wrap="square" rtlCol="0">
-            <a:spAutoFit/>
-          </a:bodyPr>
-          <a:lstStyle/>
-          <a:p>
-            <a:pPr algn="ctr"/>
-            <a:r>
-              <a:rPr lang="ru-RU" sz="8800" dirty="0" smtClean="0"/>
-              <a:t>?</a:t>
-            </a:r>
-            <a:endParaRPr lang="ru-RU" sz="8800" dirty="0"/>
-          </a:p>
-        </p:txBody>
-      </p:sp>
-      <p:pic>
-        <p:nvPicPr>
-          <p:cNvPr id="3" name="Рисунок 2"/>
-          <p:cNvPicPr>
-            <a:picLocks noChangeAspect="1"/>
-          </p:cNvPicPr>
-          <p:nvPr/>
-        </p:nvPicPr>
-        <p:blipFill>
-          <a:blip r:embed="rId2"/>
-          <a:stretch>
-            <a:fillRect/>
-          </a:stretch>
-        </p:blipFill>
-        <p:spPr>
-          <a:xfrm>
-            <a:off x="145806" y="2136830"/>
-            <a:ext cx="3124932" cy="4516382"/>
-          </a:xfrm>
-          <a:prstGeom prst="rect">
-            <a:avLst/>
-          </a:prstGeom>
-        </p:spPr>
-      </p:pic>
-      <p:sp>
-        <p:nvSpPr>
-          <p:cNvPr id="6" name="TextBox 5"/>
-          <p:cNvSpPr txBox="1"/>
-          <p:nvPr/>
-        </p:nvSpPr>
-        <p:spPr>
-          <a:xfrm>
-            <a:off x="3472961" y="3517858"/>
-            <a:ext cx="8264769" cy="1754326"/>
-          </a:xfrm>
-          <a:prstGeom prst="rect">
-            <a:avLst/>
-          </a:prstGeom>
-          <a:noFill/>
-        </p:spPr>
-        <p:txBody>
-          <a:bodyPr wrap="square" rtlCol="0">
-            <a:spAutoFit/>
-          </a:bodyPr>
-          <a:lstStyle/>
-          <a:p>
-            <a:r>
-              <a:rPr lang="ru-RU" dirty="0" smtClean="0"/>
-              <a:t>После хода чёрных (игрока), ход делает искусственный интеллект.</a:t>
-            </a:r>
-          </a:p>
-          <a:p>
-            <a:endParaRPr lang="ru-RU" dirty="0"/>
-          </a:p>
-          <a:p>
-            <a:r>
-              <a:rPr lang="ru-RU" dirty="0" smtClean="0"/>
-              <a:t>Если игрок нажимает на свободную клетку во время своего хода, которая по правилам игры не подходит для хода – ничего не происходит, так как выполняется функция проверки доступности хода, которая проверяет все клетки и фишки, расположенные по вертикали, диагонали и горизонтали.</a:t>
-            </a:r>
-            <a:endParaRPr lang="ru-RU" dirty="0" smtClean="0"/>
-          </a:p>
-        </p:txBody>
-      </p:sp>
-    </p:spTree>
-    <p:extLst>
-      <p:ext uri="{BB962C8B-B14F-4D97-AF65-F5344CB8AC3E}">
-        <p14:creationId xmlns:p14="http://schemas.microsoft.com/office/powerpoint/2010/main" val="2416134175"/>
-      </p:ext>
-    </p:extLst>
-  </p:cSld>
-  <p:clrMapOvr>
-    <a:masterClrMapping/>
-  </p:clrMapOvr>
-  <p:timing>
-    <p:tnLst>
-      <p:par>
-        <p:cTn id="1" dur="indefinite" restart="never" nodeType="tmRoot">
-          <p:childTnLst>
-            <p:seq concurrent="1" nextAc="seek">
-              <p:cTn id="2" dur="indefinite" nodeType="mainSeq">
-                <p:childTnLst>
-                  <p:par>
-                    <p:cTn id="3" fill="hold">
-                      <p:stCondLst>
-                        <p:cond delay="indefinite"/>
-                        <p:cond evt="onBegin" delay="0">
-                          <p:tn val="2"/>
-                        </p:cond>
-                      </p:stCondLst>
-                      <p:childTnLst>
-                        <p:par>
-                          <p:cTn id="4" fill="hold">
-                            <p:stCondLst>
-                              <p:cond delay="0"/>
-                            </p:stCondLst>
-                            <p:childTnLst>
-                              <p:par>
-                                <p:cTn id="5" presetID="2" presetClass="entr" presetSubtype="2" fill="hold" nodeType="withEffect">
-                                  <p:stCondLst>
-                                    <p:cond delay="0"/>
-                                  </p:stCondLst>
-                                  <p:childTnLst>
-                                    <p:set>
-                                      <p:cBhvr>
-                                        <p:cTn id="6" dur="1" fill="hold">
-                                          <p:stCondLst>
-                                            <p:cond delay="0"/>
-                                          </p:stCondLst>
-                                        </p:cTn>
-                                        <p:tgtEl>
-                                          <p:spTgt spid="3"/>
-                                        </p:tgtEl>
-                                        <p:attrNameLst>
-                                          <p:attrName>style.visibility</p:attrName>
-                                        </p:attrNameLst>
-                                      </p:cBhvr>
-                                      <p:to>
-                                        <p:strVal val="visible"/>
-                                      </p:to>
-                                    </p:set>
-                                    <p:anim calcmode="lin" valueType="num">
-                                      <p:cBhvr additive="base">
-                                        <p:cTn id="7" dur="500" fill="hold"/>
-                                        <p:tgtEl>
-                                          <p:spTgt spid="3"/>
-                                        </p:tgtEl>
-                                        <p:attrNameLst>
-                                          <p:attrName>ppt_x</p:attrName>
-                                        </p:attrNameLst>
-                                      </p:cBhvr>
-                                      <p:tavLst>
-                                        <p:tav tm="0">
-                                          <p:val>
-                                            <p:strVal val="1+#ppt_w/2"/>
-                                          </p:val>
-                                        </p:tav>
-                                        <p:tav tm="100000">
-                                          <p:val>
-                                            <p:strVal val="#ppt_x"/>
-                                          </p:val>
-                                        </p:tav>
-                                      </p:tavLst>
-                                    </p:anim>
-                                    <p:anim calcmode="lin" valueType="num">
-                                      <p:cBhvr additive="base">
-                                        <p:cTn id="8" dur="500" fill="hold"/>
-                                        <p:tgtEl>
-                                          <p:spTgt spid="3"/>
-                                        </p:tgtEl>
-                                        <p:attrNameLst>
-                                          <p:attrName>ppt_y</p:attrName>
-                                        </p:attrNameLst>
-                                      </p:cBhvr>
-                                      <p:tavLst>
-                                        <p:tav tm="0">
-                                          <p:val>
-                                            <p:strVal val="#ppt_y"/>
-                                          </p:val>
-                                        </p:tav>
-                                        <p:tav tm="100000">
-                                          <p:val>
-                                            <p:strVal val="#ppt_y"/>
-                                          </p:val>
-                                        </p:tav>
-                                      </p:tavLst>
-                                    </p:anim>
-                                  </p:childTnLst>
-                                </p:cTn>
-                              </p:par>
-                              <p:par>
-                                <p:cTn id="9" presetID="2" presetClass="entr" presetSubtype="2" fill="hold" grpId="0" nodeType="withEffect">
-                                  <p:stCondLst>
-                                    <p:cond delay="0"/>
-                                  </p:stCondLst>
-                                  <p:childTnLst>
-                                    <p:set>
-                                      <p:cBhvr>
-                                        <p:cTn id="10" dur="1" fill="hold">
-                                          <p:stCondLst>
-                                            <p:cond delay="0"/>
-                                          </p:stCondLst>
-                                        </p:cTn>
-                                        <p:tgtEl>
-                                          <p:spTgt spid="6"/>
-                                        </p:tgtEl>
-                                        <p:attrNameLst>
-                                          <p:attrName>style.visibility</p:attrName>
-                                        </p:attrNameLst>
-                                      </p:cBhvr>
-                                      <p:to>
-                                        <p:strVal val="visible"/>
-                                      </p:to>
-                                    </p:set>
-                                    <p:anim calcmode="lin" valueType="num">
-                                      <p:cBhvr additive="base">
-                                        <p:cTn id="11" dur="500" fill="hold"/>
-                                        <p:tgtEl>
-                                          <p:spTgt spid="6"/>
-                                        </p:tgtEl>
-                                        <p:attrNameLst>
-                                          <p:attrName>ppt_x</p:attrName>
-                                        </p:attrNameLst>
-                                      </p:cBhvr>
-                                      <p:tavLst>
-                                        <p:tav tm="0">
-                                          <p:val>
-                                            <p:strVal val="1+#ppt_w/2"/>
-                                          </p:val>
-                                        </p:tav>
-                                        <p:tav tm="100000">
-                                          <p:val>
-                                            <p:strVal val="#ppt_x"/>
-                                          </p:val>
-                                        </p:tav>
-                                      </p:tavLst>
-                                    </p:anim>
-                                    <p:anim calcmode="lin" valueType="num">
-                                      <p:cBhvr additive="base">
-                                        <p:cTn id="12" dur="500" fill="hold"/>
-                                        <p:tgtEl>
-                                          <p:spTgt spid="6"/>
-                                        </p:tgtEl>
-                                        <p:attrNameLst>
-                                          <p:attrName>ppt_y</p:attrName>
-                                        </p:attrNameLst>
-                                      </p:cBhvr>
-                                      <p:tavLst>
-                                        <p:tav tm="0">
-                                          <p:val>
-                                            <p:strVal val="#ppt_y"/>
-                                          </p:val>
-                                        </p:tav>
-                                        <p:tav tm="100000">
-                                          <p:val>
-                                            <p:strVal val="#ppt_y"/>
-                                          </p:val>
-                                        </p:tav>
-                                      </p:tavLst>
-                                    </p:anim>
-                                  </p:childTnLst>
-                                </p:cTn>
-                              </p:par>
-                            </p:childTnLst>
-                          </p:cTn>
-                        </p:par>
-                      </p:childTnLst>
-                    </p:cTn>
-                  </p:par>
-                  <p:par>
-                    <p:cTn id="13" fill="hold">
-                      <p:stCondLst>
-                        <p:cond delay="indefinite"/>
-                      </p:stCondLst>
-                      <p:childTnLst>
-                        <p:par>
-                          <p:cTn id="14" fill="hold">
-                            <p:stCondLst>
-                              <p:cond delay="0"/>
-                            </p:stCondLst>
-                            <p:childTnLst>
-                              <p:par>
-                                <p:cTn id="15" presetID="2" presetClass="exit" presetSubtype="2" fill="hold" nodeType="clickEffect">
-                                  <p:stCondLst>
-                                    <p:cond delay="0"/>
-                                  </p:stCondLst>
-                                  <p:childTnLst>
-                                    <p:anim calcmode="lin" valueType="num">
-                                      <p:cBhvr additive="base">
-                                        <p:cTn id="16" dur="500"/>
-                                        <p:tgtEl>
-                                          <p:spTgt spid="3"/>
-                                        </p:tgtEl>
-                                        <p:attrNameLst>
-                                          <p:attrName>ppt_x</p:attrName>
-                                        </p:attrNameLst>
-                                      </p:cBhvr>
-                                      <p:tavLst>
-                                        <p:tav tm="0">
-                                          <p:val>
-                                            <p:strVal val="ppt_x"/>
-                                          </p:val>
-                                        </p:tav>
-                                        <p:tav tm="100000">
-                                          <p:val>
-                                            <p:strVal val="1+ppt_w/2"/>
-                                          </p:val>
-                                        </p:tav>
-                                      </p:tavLst>
-                                    </p:anim>
-                                    <p:anim calcmode="lin" valueType="num">
-                                      <p:cBhvr additive="base">
-                                        <p:cTn id="17" dur="500"/>
-                                        <p:tgtEl>
-                                          <p:spTgt spid="3"/>
-                                        </p:tgtEl>
-                                        <p:attrNameLst>
-                                          <p:attrName>ppt_y</p:attrName>
-                                        </p:attrNameLst>
-                                      </p:cBhvr>
-                                      <p:tavLst>
-                                        <p:tav tm="0">
-                                          <p:val>
-                                            <p:strVal val="ppt_y"/>
-                                          </p:val>
-                                        </p:tav>
-                                        <p:tav tm="100000">
-                                          <p:val>
-                                            <p:strVal val="ppt_y"/>
-                                          </p:val>
-                                        </p:tav>
-                                      </p:tavLst>
-                                    </p:anim>
-                                    <p:set>
-                                      <p:cBhvr>
-                                        <p:cTn id="18" dur="1" fill="hold">
-                                          <p:stCondLst>
-                                            <p:cond delay="499"/>
-                                          </p:stCondLst>
-                                        </p:cTn>
-                                        <p:tgtEl>
-                                          <p:spTgt spid="3"/>
-                                        </p:tgtEl>
-                                        <p:attrNameLst>
-                                          <p:attrName>style.visibility</p:attrName>
-                                        </p:attrNameLst>
-                                      </p:cBhvr>
-                                      <p:to>
-                                        <p:strVal val="hidden"/>
-                                      </p:to>
-                                    </p:set>
-                                  </p:childTnLst>
-                                </p:cTn>
-                              </p:par>
-                              <p:par>
-                                <p:cTn id="19" presetID="2" presetClass="exit" presetSubtype="2" fill="hold" grpId="1" nodeType="withEffect">
-                                  <p:stCondLst>
-                                    <p:cond delay="0"/>
-                                  </p:stCondLst>
-                                  <p:childTnLst>
-                                    <p:anim calcmode="lin" valueType="num">
-                                      <p:cBhvr additive="base">
-                                        <p:cTn id="20" dur="500"/>
-                                        <p:tgtEl>
-                                          <p:spTgt spid="6"/>
-                                        </p:tgtEl>
-                                        <p:attrNameLst>
-                                          <p:attrName>ppt_x</p:attrName>
-                                        </p:attrNameLst>
-                                      </p:cBhvr>
-                                      <p:tavLst>
-                                        <p:tav tm="0">
-                                          <p:val>
-                                            <p:strVal val="ppt_x"/>
-                                          </p:val>
-                                        </p:tav>
-                                        <p:tav tm="100000">
-                                          <p:val>
-                                            <p:strVal val="1+ppt_w/2"/>
-                                          </p:val>
-                                        </p:tav>
-                                      </p:tavLst>
-                                    </p:anim>
-                                    <p:anim calcmode="lin" valueType="num">
-                                      <p:cBhvr additive="base">
-                                        <p:cTn id="21" dur="500"/>
-                                        <p:tgtEl>
-                                          <p:spTgt spid="6"/>
-                                        </p:tgtEl>
-                                        <p:attrNameLst>
-                                          <p:attrName>ppt_y</p:attrName>
-                                        </p:attrNameLst>
-                                      </p:cBhvr>
-                                      <p:tavLst>
-                                        <p:tav tm="0">
-                                          <p:val>
-                                            <p:strVal val="ppt_y"/>
-                                          </p:val>
-                                        </p:tav>
-                                        <p:tav tm="100000">
-                                          <p:val>
-                                            <p:strVal val="ppt_y"/>
-                                          </p:val>
-                                        </p:tav>
-                                      </p:tavLst>
-                                    </p:anim>
-                                    <p:set>
-                                      <p:cBhvr>
-                                        <p:cTn id="22" dur="1" fill="hold">
-                                          <p:stCondLst>
-                                            <p:cond delay="499"/>
-                                          </p:stCondLst>
-                                        </p:cTn>
-                                        <p:tgtEl>
-                                          <p:spTgt spid="6"/>
-                                        </p:tgtEl>
-                                        <p:attrNameLst>
-                                          <p:attrName>style.visibility</p:attrName>
-                                        </p:attrNameLst>
-                                      </p:cBhvr>
-                                      <p:to>
-                                        <p:strVal val="hidden"/>
-                                      </p:to>
-                                    </p:set>
-                                  </p:childTnLst>
-                                </p:cTn>
-                              </p:par>
-                            </p:childTnLst>
-                          </p:cTn>
-                        </p:par>
-                      </p:childTnLst>
-                    </p:cTn>
-                  </p:par>
-                </p:childTnLst>
-              </p:cTn>
-              <p:prevCondLst>
-                <p:cond evt="onPrev" delay="0">
-                  <p:tgtEl>
-                    <p:sldTgt/>
-                  </p:tgtEl>
-                </p:cond>
-              </p:prevCondLst>
-              <p:nextCondLst>
-                <p:cond evt="onNext" delay="0">
-                  <p:tgtEl>
-                    <p:sldTgt/>
-                  </p:tgtEl>
-                </p:cond>
-              </p:nextCondLst>
-            </p:seq>
-          </p:childTnLst>
-        </p:cTn>
-      </p:par>
-    </p:tnLst>
-    <p:bldLst>
-      <p:bldP spid="6" grpId="0"/>
-      <p:bldP spid="6" grpId="1"/>
-    </p:bldLst>
-  </p:timing>
-</p:sld>
-</file>
-
-<file path=ppt/slides/slide8.xml><?xml version="1.0" encoding="utf-8"?>
-<p:sld xmlns:a="http://schemas.openxmlformats.org/drawingml/2006/main" xmlns:r="http://schemas.openxmlformats.org/officeDocument/2006/relationships" xmlns:p="http://schemas.openxmlformats.org/presentationml/2006/main">
-  <p:cSld>
-    <p:spTree>
-      <p:nvGrpSpPr>
-        <p:cNvPr id="1" name=""/>
-        <p:cNvGrpSpPr/>
-        <p:nvPr/>
-      </p:nvGrpSpPr>
-      <p:grpSpPr>
-        <a:xfrm>
-          <a:off x="0" y="0"/>
-          <a:ext cx="0" cy="0"/>
-          <a:chOff x="0" y="0"/>
-          <a:chExt cx="0" cy="0"/>
-        </a:xfrm>
-      </p:grpSpPr>
-      <p:sp>
-        <p:nvSpPr>
-          <p:cNvPr id="2" name="Заголовок 1"/>
-          <p:cNvSpPr>
-            <a:spLocks noGrp="1"/>
-          </p:cNvSpPr>
-          <p:nvPr>
-            <p:ph type="title"/>
-          </p:nvPr>
-        </p:nvSpPr>
-        <p:spPr/>
-        <p:txBody>
-          <a:bodyPr>
-            <a:normAutofit/>
-          </a:bodyPr>
-          <a:lstStyle/>
-          <a:p>
-            <a:pPr algn="ctr"/>
-            <a:r>
-              <a:rPr lang="ru-RU" sz="3200" dirty="0" smtClean="0"/>
-              <a:t>Как игру видит пользователь</a:t>
-            </a:r>
-            <a:br>
-              <a:rPr lang="ru-RU" sz="3200" dirty="0" smtClean="0"/>
-            </a:br>
-            <a:r>
-              <a:rPr lang="ru-RU" sz="3200" b="1" dirty="0" smtClean="0"/>
-              <a:t>Конец игры</a:t>
-            </a:r>
-            <a:endParaRPr lang="ru-RU" sz="3200" b="1" dirty="0"/>
-          </a:p>
-        </p:txBody>
-      </p:sp>
-      <p:sp>
-        <p:nvSpPr>
-          <p:cNvPr id="4" name="TextBox 3"/>
-          <p:cNvSpPr txBox="1"/>
-          <p:nvPr/>
-        </p:nvSpPr>
-        <p:spPr>
-          <a:xfrm>
-            <a:off x="10577146" y="536336"/>
-            <a:ext cx="1614854" cy="1446550"/>
-          </a:xfrm>
-          <a:prstGeom prst="rect">
-            <a:avLst/>
-          </a:prstGeom>
-          <a:noFill/>
-        </p:spPr>
-        <p:txBody>
-          <a:bodyPr wrap="square" rtlCol="0">
-            <a:spAutoFit/>
-          </a:bodyPr>
-          <a:lstStyle/>
-          <a:p>
-            <a:pPr algn="ctr"/>
-            <a:r>
-              <a:rPr lang="ru-RU" sz="8800" dirty="0" smtClean="0"/>
-              <a:t>?</a:t>
-            </a:r>
-            <a:endParaRPr lang="ru-RU" sz="8800" dirty="0"/>
-          </a:p>
-        </p:txBody>
-      </p:sp>
-      <p:pic>
-        <p:nvPicPr>
-          <p:cNvPr id="3" name="Рисунок 2"/>
-          <p:cNvPicPr>
-            <a:picLocks noChangeAspect="1"/>
-          </p:cNvPicPr>
-          <p:nvPr/>
-        </p:nvPicPr>
-        <p:blipFill>
-          <a:blip r:embed="rId2"/>
-          <a:stretch>
-            <a:fillRect/>
-          </a:stretch>
-        </p:blipFill>
-        <p:spPr>
-          <a:xfrm>
-            <a:off x="158627" y="2171700"/>
-            <a:ext cx="3049739" cy="4411906"/>
-          </a:xfrm>
-          <a:prstGeom prst="rect">
-            <a:avLst/>
-          </a:prstGeom>
-        </p:spPr>
-      </p:pic>
-      <p:sp>
-        <p:nvSpPr>
-          <p:cNvPr id="5" name="TextBox 4"/>
-          <p:cNvSpPr txBox="1"/>
-          <p:nvPr/>
-        </p:nvSpPr>
-        <p:spPr>
-          <a:xfrm>
-            <a:off x="3490546" y="3500490"/>
-            <a:ext cx="8264769" cy="1754326"/>
-          </a:xfrm>
-          <a:prstGeom prst="rect">
-            <a:avLst/>
-          </a:prstGeom>
-          <a:noFill/>
-        </p:spPr>
-        <p:txBody>
-          <a:bodyPr wrap="square" rtlCol="0">
-            <a:spAutoFit/>
-          </a:bodyPr>
-          <a:lstStyle/>
-          <a:p>
-            <a:r>
-              <a:rPr lang="ru-RU" dirty="0" smtClean="0"/>
-              <a:t>Когда все клетки игрового поля были закрыты, игра считается оконченной </a:t>
-            </a:r>
-          </a:p>
-          <a:p>
-            <a:r>
-              <a:rPr lang="ru-RU" dirty="0" smtClean="0"/>
-              <a:t>и определяется победитель по количеству шашек на игровом поле.</a:t>
-            </a:r>
-          </a:p>
-          <a:p>
-            <a:endParaRPr lang="ru-RU" dirty="0"/>
-          </a:p>
-          <a:p>
-            <a:endParaRPr lang="ru-RU" dirty="0" smtClean="0"/>
-          </a:p>
-          <a:p>
-            <a:r>
-              <a:rPr lang="ru-RU" dirty="0" smtClean="0"/>
-              <a:t>Победитель подсвечивается зелёным, а также в подсказке отображается соответствующая информация.</a:t>
-            </a:r>
-            <a:endParaRPr lang="ru-RU" dirty="0" smtClean="0"/>
-          </a:p>
-        </p:txBody>
-      </p:sp>
-    </p:spTree>
-    <p:extLst>
-      <p:ext uri="{BB962C8B-B14F-4D97-AF65-F5344CB8AC3E}">
-        <p14:creationId xmlns:p14="http://schemas.microsoft.com/office/powerpoint/2010/main" val="1968464131"/>
-      </p:ext>
-    </p:extLst>
-  </p:cSld>
-  <p:clrMapOvr>
-    <a:masterClrMapping/>
-  </p:clrMapOvr>
-  <p:timing>
-    <p:tnLst>
-      <p:par>
-        <p:cTn id="1" dur="indefinite" restart="never" nodeType="tmRoot">
-          <p:childTnLst>
-            <p:seq concurrent="1" nextAc="seek">
-              <p:cTn id="2" dur="indefinite" nodeType="mainSeq">
-                <p:childTnLst>
-                  <p:par>
-                    <p:cTn id="3" fill="hold">
-                      <p:stCondLst>
-                        <p:cond delay="indefinite"/>
-                        <p:cond evt="onBegin" delay="0">
-                          <p:tn val="2"/>
-                        </p:cond>
-                      </p:stCondLst>
-                      <p:childTnLst>
-                        <p:par>
-                          <p:cTn id="4" fill="hold">
-                            <p:stCondLst>
-                              <p:cond delay="0"/>
-                            </p:stCondLst>
-                            <p:childTnLst>
-                              <p:par>
-                                <p:cTn id="5" presetID="2" presetClass="entr" presetSubtype="8" fill="hold" nodeType="withEffect">
-                                  <p:stCondLst>
-                                    <p:cond delay="0"/>
-                                  </p:stCondLst>
-                                  <p:childTnLst>
-                                    <p:set>
-                                      <p:cBhvr>
-                                        <p:cTn id="6" dur="1" fill="hold">
-                                          <p:stCondLst>
-                                            <p:cond delay="0"/>
-                                          </p:stCondLst>
-                                        </p:cTn>
-                                        <p:tgtEl>
-                                          <p:spTgt spid="3"/>
-                                        </p:tgtEl>
-                                        <p:attrNameLst>
-                                          <p:attrName>style.visibility</p:attrName>
-                                        </p:attrNameLst>
-                                      </p:cBhvr>
-                                      <p:to>
-                                        <p:strVal val="visible"/>
-                                      </p:to>
-                                    </p:set>
-                                    <p:anim calcmode="lin" valueType="num">
-                                      <p:cBhvr additive="base">
-                                        <p:cTn id="7" dur="500" fill="hold"/>
-                                        <p:tgtEl>
-                                          <p:spTgt spid="3"/>
-                                        </p:tgtEl>
-                                        <p:attrNameLst>
-                                          <p:attrName>ppt_x</p:attrName>
-                                        </p:attrNameLst>
-                                      </p:cBhvr>
-                                      <p:tavLst>
-                                        <p:tav tm="0">
-                                          <p:val>
-                                            <p:strVal val="0-#ppt_w/2"/>
-                                          </p:val>
-                                        </p:tav>
-                                        <p:tav tm="100000">
-                                          <p:val>
-                                            <p:strVal val="#ppt_x"/>
-                                          </p:val>
-                                        </p:tav>
-                                      </p:tavLst>
-                                    </p:anim>
-                                    <p:anim calcmode="lin" valueType="num">
-                                      <p:cBhvr additive="base">
-                                        <p:cTn id="8" dur="500" fill="hold"/>
-                                        <p:tgtEl>
-                                          <p:spTgt spid="3"/>
-                                        </p:tgtEl>
-                                        <p:attrNameLst>
-                                          <p:attrName>ppt_y</p:attrName>
-                                        </p:attrNameLst>
-                                      </p:cBhvr>
-                                      <p:tavLst>
-                                        <p:tav tm="0">
-                                          <p:val>
-                                            <p:strVal val="#ppt_y"/>
-                                          </p:val>
-                                        </p:tav>
-                                        <p:tav tm="100000">
-                                          <p:val>
-                                            <p:strVal val="#ppt_y"/>
-                                          </p:val>
-                                        </p:tav>
-                                      </p:tavLst>
-                                    </p:anim>
-                                  </p:childTnLst>
-                                </p:cTn>
-                              </p:par>
-                              <p:par>
-                                <p:cTn id="9" presetID="2" presetClass="entr" presetSubtype="8" fill="hold" grpId="0" nodeType="withEffect">
-                                  <p:stCondLst>
-                                    <p:cond delay="0"/>
-                                  </p:stCondLst>
-                                  <p:childTnLst>
-                                    <p:set>
-                                      <p:cBhvr>
-                                        <p:cTn id="10" dur="1" fill="hold">
-                                          <p:stCondLst>
-                                            <p:cond delay="0"/>
-                                          </p:stCondLst>
-                                        </p:cTn>
-                                        <p:tgtEl>
-                                          <p:spTgt spid="5"/>
-                                        </p:tgtEl>
-                                        <p:attrNameLst>
-                                          <p:attrName>style.visibility</p:attrName>
-                                        </p:attrNameLst>
-                                      </p:cBhvr>
-                                      <p:to>
-                                        <p:strVal val="visible"/>
-                                      </p:to>
-                                    </p:set>
-                                    <p:anim calcmode="lin" valueType="num">
-                                      <p:cBhvr additive="base">
-                                        <p:cTn id="11" dur="500" fill="hold"/>
-                                        <p:tgtEl>
-                                          <p:spTgt spid="5"/>
-                                        </p:tgtEl>
-                                        <p:attrNameLst>
-                                          <p:attrName>ppt_x</p:attrName>
-                                        </p:attrNameLst>
-                                      </p:cBhvr>
-                                      <p:tavLst>
-                                        <p:tav tm="0">
-                                          <p:val>
-                                            <p:strVal val="0-#ppt_w/2"/>
-                                          </p:val>
-                                        </p:tav>
-                                        <p:tav tm="100000">
-                                          <p:val>
-                                            <p:strVal val="#ppt_x"/>
-                                          </p:val>
-                                        </p:tav>
-                                      </p:tavLst>
-                                    </p:anim>
-                                    <p:anim calcmode="lin" valueType="num">
-                                      <p:cBhvr additive="base">
-                                        <p:cTn id="12" dur="500" fill="hold"/>
-                                        <p:tgtEl>
-                                          <p:spTgt spid="5"/>
-                                        </p:tgtEl>
-                                        <p:attrNameLst>
-                                          <p:attrName>ppt_y</p:attrName>
-                                        </p:attrNameLst>
-                                      </p:cBhvr>
-                                      <p:tavLst>
-                                        <p:tav tm="0">
-                                          <p:val>
-                                            <p:strVal val="#ppt_y"/>
-                                          </p:val>
-                                        </p:tav>
-                                        <p:tav tm="100000">
-                                          <p:val>
-                                            <p:strVal val="#ppt_y"/>
-                                          </p:val>
-                                        </p:tav>
-                                      </p:tavLst>
-                                    </p:anim>
-                                  </p:childTnLst>
-                                </p:cTn>
-                              </p:par>
-                            </p:childTnLst>
-                          </p:cTn>
-                        </p:par>
-                      </p:childTnLst>
-                    </p:cTn>
-                  </p:par>
-                </p:childTnLst>
-              </p:cTn>
-              <p:prevCondLst>
-                <p:cond evt="onPrev" delay="0">
-                  <p:tgtEl>
-                    <p:sldTgt/>
-                  </p:tgtEl>
-                </p:cond>
-              </p:prevCondLst>
-              <p:nextCondLst>
-                <p:cond evt="onNext" delay="0">
-                  <p:tgtEl>
-                    <p:sldTgt/>
-                  </p:tgtEl>
-                </p:cond>
-              </p:nextCondLst>
-            </p:seq>
-          </p:childTnLst>
-        </p:cTn>
-      </p:par>
-    </p:tnLst>
-    <p:bldLst>
-      <p:bldP spid="5" grpId="0"/>
-    </p:bldLst>
-  </p:timing>
-</p:sld>
-</file>
-
-<file path=ppt/slides/slide9.xml><?xml version="1.0" encoding="utf-8"?>
-<p:sld xmlns:a="http://schemas.openxmlformats.org/drawingml/2006/main" xmlns:r="http://schemas.openxmlformats.org/officeDocument/2006/relationships" xmlns:p="http://schemas.openxmlformats.org/presentationml/2006/main">
-  <p:cSld>
-    <p:spTree>
-      <p:nvGrpSpPr>
-        <p:cNvPr id="1" name=""/>
-        <p:cNvGrpSpPr/>
-        <p:nvPr/>
-      </p:nvGrpSpPr>
-      <p:grpSpPr>
-        <a:xfrm>
-          <a:off x="0" y="0"/>
-          <a:ext cx="0" cy="0"/>
-          <a:chOff x="0" y="0"/>
-          <a:chExt cx="0" cy="0"/>
-        </a:xfrm>
-      </p:grpSpPr>
-      <p:sp>
-        <p:nvSpPr>
-          <p:cNvPr id="4" name="TextBox 3"/>
-          <p:cNvSpPr txBox="1"/>
-          <p:nvPr/>
-        </p:nvSpPr>
-        <p:spPr>
-          <a:xfrm>
-            <a:off x="0" y="2919051"/>
-            <a:ext cx="8976946" cy="1077218"/>
-          </a:xfrm>
-          <a:prstGeom prst="rect">
-            <a:avLst/>
-          </a:prstGeom>
-          <a:noFill/>
-        </p:spPr>
-        <p:txBody>
-          <a:bodyPr wrap="square" rtlCol="0">
-            <a:spAutoFit/>
-          </a:bodyPr>
-          <a:lstStyle/>
-          <a:p>
-            <a:pPr algn="ctr"/>
-            <a:r>
-              <a:rPr lang="ru-RU" sz="3200" dirty="0" smtClean="0"/>
-              <a:t>Компьютерная логическая игра </a:t>
-            </a:r>
-            <a:r>
-              <a:rPr lang="ru-RU" sz="3200" dirty="0" smtClean="0"/>
-              <a:t>– Реверси</a:t>
-            </a:r>
-            <a:br>
-              <a:rPr lang="ru-RU" sz="3200" dirty="0" smtClean="0"/>
-            </a:br>
-            <a:r>
-              <a:rPr lang="en-US" sz="3200" dirty="0" smtClean="0"/>
-              <a:t>by </a:t>
-            </a:r>
-            <a:r>
-              <a:rPr lang="ru-RU" sz="3200" dirty="0" smtClean="0"/>
-              <a:t>Иван </a:t>
-            </a:r>
-            <a:r>
-              <a:rPr lang="ru-RU" sz="3200" dirty="0" err="1" smtClean="0"/>
-              <a:t>Коцан</a:t>
-            </a:r>
-            <a:endParaRPr lang="ru-RU" sz="3200" dirty="0" smtClean="0"/>
-          </a:p>
-        </p:txBody>
-      </p:sp>
-      <p:sp>
-        <p:nvSpPr>
-          <p:cNvPr id="2" name="TextBox 1"/>
-          <p:cNvSpPr txBox="1"/>
-          <p:nvPr/>
-        </p:nvSpPr>
-        <p:spPr>
-          <a:xfrm>
-            <a:off x="0" y="5029200"/>
-            <a:ext cx="12192000" cy="830997"/>
-          </a:xfrm>
-          <a:prstGeom prst="rect">
-            <a:avLst/>
-          </a:prstGeom>
-          <a:noFill/>
-        </p:spPr>
-        <p:txBody>
-          <a:bodyPr wrap="square" rtlCol="0">
-            <a:spAutoFit/>
-          </a:bodyPr>
-          <a:lstStyle/>
-          <a:p>
-            <a:pPr algn="ctr"/>
-            <a:r>
-              <a:rPr lang="ru-RU" sz="4800" b="1" dirty="0" smtClean="0"/>
-              <a:t>Спасибо за внимание!</a:t>
-            </a:r>
-            <a:endParaRPr lang="ru-RU" sz="4800" b="1" dirty="0"/>
-          </a:p>
-        </p:txBody>
-      </p:sp>
-    </p:spTree>
-    <p:extLst>
-      <p:ext uri="{BB962C8B-B14F-4D97-AF65-F5344CB8AC3E}">
-        <p14:creationId xmlns:p14="http://schemas.microsoft.com/office/powerpoint/2010/main" val="3708536367"/>
-      </p:ext>
-    </p:extLst>
-  </p:cSld>
-  <p:clrMapOvr>
-    <a:masterClrMapping/>
-  </p:clrMapOvr>
-  <p:timing>
-    <p:tnLst>
-      <p:par>
-        <p:cTn id="1" dur="indefinite" restart="never" nodeType="tmRoot">
-          <p:childTnLst>
-            <p:seq concurrent="1" nextAc="seek">
-              <p:cTn id="2" dur="indefinite" nodeType="mainSeq">
-                <p:childTnLst>
-                  <p:par>
-                    <p:cTn id="3" fill="hold">
-                      <p:stCondLst>
-                        <p:cond delay="indefinite"/>
-                        <p:cond evt="onBegin" delay="0">
-                          <p:tn val="2"/>
-                        </p:cond>
-                      </p:stCondLst>
-                      <p:childTnLst>
-                        <p:par>
-                          <p:cTn id="4" fill="hold">
-                            <p:stCondLst>
-                              <p:cond delay="0"/>
-                            </p:stCondLst>
-                            <p:childTnLst>
-                              <p:par>
-                                <p:cTn id="5" presetID="45" presetClass="entr" presetSubtype="0" fill="hold" grpId="0" nodeType="withEffect">
-                                  <p:stCondLst>
-                                    <p:cond delay="0"/>
-                                  </p:stCondLst>
-                                  <p:childTnLst>
-                                    <p:set>
-                                      <p:cBhvr>
-                                        <p:cTn id="6" dur="1" fill="hold">
-                                          <p:stCondLst>
-                                            <p:cond delay="0"/>
-                                          </p:stCondLst>
-                                        </p:cTn>
-                                        <p:tgtEl>
-                                          <p:spTgt spid="2"/>
-                                        </p:tgtEl>
-                                        <p:attrNameLst>
-                                          <p:attrName>style.visibility</p:attrName>
-                                        </p:attrNameLst>
-                                      </p:cBhvr>
-                                      <p:to>
-                                        <p:strVal val="visible"/>
-                                      </p:to>
-                                    </p:set>
-                                    <p:animEffect transition="in" filter="fade">
-                                      <p:cBhvr>
-                                        <p:cTn id="7" dur="2000"/>
-                                        <p:tgtEl>
-                                          <p:spTgt spid="2"/>
-                                        </p:tgtEl>
-                                      </p:cBhvr>
-                                    </p:animEffect>
-                                    <p:anim calcmode="lin" valueType="num">
-                                      <p:cBhvr>
-                                        <p:cTn id="8" dur="2000" fill="hold"/>
-                                        <p:tgtEl>
-                                          <p:spTgt spid="2"/>
-                                        </p:tgtEl>
-                                        <p:attrNameLst>
-                                          <p:attrName>ppt_w</p:attrName>
-                                        </p:attrNameLst>
-                                      </p:cBhvr>
-                                      <p:tavLst>
-                                        <p:tav tm="0" fmla="#ppt_w*sin(2.5*pi*$)">
-                                          <p:val>
-                                            <p:fltVal val="0"/>
-                                          </p:val>
-                                        </p:tav>
-                                        <p:tav tm="100000">
-                                          <p:val>
-                                            <p:fltVal val="1"/>
-                                          </p:val>
-                                        </p:tav>
-                                      </p:tavLst>
-                                    </p:anim>
-                                    <p:anim calcmode="lin" valueType="num">
-                                      <p:cBhvr>
-                                        <p:cTn id="9" dur="2000" fill="hold"/>
-                                        <p:tgtEl>
-                                          <p:spTgt spid="2"/>
-                                        </p:tgtEl>
-                                        <p:attrNameLst>
-                                          <p:attrName>ppt_h</p:attrName>
-                                        </p:attrNameLst>
-                                      </p:cBhvr>
-                                      <p:tavLst>
-                                        <p:tav tm="0">
-                                          <p:val>
-                                            <p:strVal val="#ppt_h"/>
-                                          </p:val>
-                                        </p:tav>
-                                        <p:tav tm="100000">
-                                          <p:val>
-                                            <p:strVal val="#ppt_h"/>
-                                          </p:val>
-                                        </p:tav>
-                                      </p:tavLst>
-                                    </p:anim>
-                                  </p:childTnLst>
-                                </p:cTn>
-                              </p:par>
-                            </p:childTnLst>
-                          </p:cTn>
-                        </p:par>
-                      </p:childTnLst>
-                    </p:cTn>
-                  </p:par>
-                </p:childTnLst>
-              </p:cTn>
-              <p:prevCondLst>
-                <p:cond evt="onPrev" delay="0">
-                  <p:tgtEl>
-                    <p:sldTgt/>
-                  </p:tgtEl>
-                </p:cond>
-              </p:prevCondLst>
-              <p:nextCondLst>
-                <p:cond evt="onNext" delay="0">
-                  <p:tgtEl>
-                    <p:sldTgt/>
-                  </p:tgtEl>
-                </p:cond>
-              </p:nextCondLst>
-            </p:seq>
-          </p:childTnLst>
-        </p:cTn>
-      </p:par>
-    </p:tnLst>
-    <p:bldLst>
-      <p:bldP spid="2" grpId="0"/>
-    </p:bldLst>
-  </p:timing>
-</p:sld>
-</file>
-
 <file path=ppt/theme/theme1.xml><?xml version="1.0" encoding="utf-8"?>
 <a:theme xmlns:a="http://schemas.openxmlformats.org/drawingml/2006/main" name="Берлин">
   <a:themeElements>
